--- a/Project/Agnibh_Dasgupta_poster.pptx
+++ b/Project/Agnibh_Dasgupta_poster.pptx
@@ -9274,7 +9274,7 @@
             </a:pPr>
             <a:r>
               <a:rPr lang="en-US" sz="1867" dirty="0"/>
-              <a:t>Developing a strategy for stock trading is a vital part of investment companies. However, it is difficult to obtain an optimal strategy, given the complex and dynamic nature of the stock market. This project aims to explore the applications of Reinforcement Learning with the goal of maximizing returns from market investment, keeping in mind the human aspect of studying trends in graphs to make predictions. Q Learning has been used to train an agent based on images of stock data via a Deep Convolutional Neural Network. This work suggests that it is indeed possible to train an agent on time series stock data, however, proper state and reward selection are vital.</a:t>
+              <a:t>Developing a strategy for stock trading is a vital part of investment companies. However, it is difficult to obtain an optimal strategy, given the complex and dynamic nature of the stock market. This project aims to explore the applications of Reinforcement Learning with the goal of maximizing returns from market investment, keeping in mind the human aspect of studying trends and graphs to make predictions. Deep Q Learning has been used to train an agent based on fused images of stock data and Google trends data via a Deep Convolutional Neural Network. This project explores the novel approach of effect of social media trends in the form of graphical information, on training a Reinforcement Learning agent for stock trading. On preliminary experimentation, the agent seems to be able to make positive returns on one stock.</a:t>
             </a:r>
           </a:p>
         </p:txBody>
@@ -10175,7 +10175,7 @@
             </a:pPr>
             <a:r>
               <a:rPr lang="en-US" sz="1867" dirty="0"/>
-              <a:t>One of the problems related to predicting time series stock data is that the data is often correlated, leading to similar training instances.</a:t>
+              <a:t>One of the problems related to predicting time series stock data  is  that  the  data  is  often  correlated,  leading  to  similar training instances.</a:t>
             </a:r>
           </a:p>
           <a:p>
@@ -10196,7 +10196,7 @@
             </a:pPr>
             <a:r>
               <a:rPr lang="en-US" sz="1867" dirty="0"/>
-              <a:t>Another problem is that, strictly data based methods tend to focus on getting optimal results solely based on data, not taking into consideration the human elements, such as graphs and trends, when making decisions.</a:t>
+              <a:t>The  second  problem  is  that,  strictly  data  based  methods tend  to  focus  on  getting  optimal  results  solely  based  on data, not taking into consideration the human decision making strategies, which involve visual ques such as graphs and trends, when making decisions.</a:t>
             </a:r>
           </a:p>
           <a:p>
@@ -10217,27 +10217,7 @@
             </a:pPr>
             <a:r>
               <a:rPr lang="en-US" sz="1867" dirty="0"/>
-              <a:t>This work has tried to tackle both of these issues.</a:t>
-            </a:r>
-          </a:p>
-          <a:p>
-            <a:pPr>
-              <a:buClr>
-                <a:srgbClr val="000000"/>
-              </a:buClr>
-              <a:buSzPct val="25000"/>
-            </a:pPr>
-            <a:r>
-              <a:rPr lang="en-US" sz="1867" dirty="0"/>
-              <a:t>Firstly, Experience Replay and random batch sampling has been employed to remove correlation between training samples. Secondly, the agent has been trained on images of the stock (</a:t>
-            </a:r>
-            <a:r>
-              <a:rPr lang="en-US" sz="1867" b="1" dirty="0"/>
-              <a:t>Figure 2</a:t>
-            </a:r>
-            <a:r>
-              <a:rPr lang="en-US" sz="1867" dirty="0"/>
-              <a:t>) as via a CNN instead of training on raw data.</a:t>
+              <a:t>This  work  has  tried  to  tackle  both  of  these  issues:</a:t>
             </a:r>
           </a:p>
           <a:p>
@@ -10257,56 +10237,8 @@
               <a:buSzPct val="25000"/>
             </a:pPr>
             <a:r>
-              <a:rPr lang="en-US" sz="1867" b="1" dirty="0"/>
-              <a:t>State</a:t>
-            </a:r>
-            <a:r>
               <a:rPr lang="en-US" sz="1867" dirty="0"/>
-              <a:t> </a:t>
-            </a:r>
-            <a:r>
-              <a:rPr lang="en-US" sz="1867" b="1" dirty="0"/>
-              <a:t>s</a:t>
-            </a:r>
-            <a:r>
-              <a:rPr lang="en-US" sz="1867" dirty="0"/>
-              <a:t>:	[image, holdings]</a:t>
-            </a:r>
-          </a:p>
-          <a:p>
-            <a:pPr>
-              <a:buClr>
-                <a:srgbClr val="000000"/>
-              </a:buClr>
-              <a:buSzPct val="25000"/>
-            </a:pPr>
-            <a:r>
-              <a:rPr lang="en-US" sz="1867" dirty="0"/>
-              <a:t>where, 	image = Image of the last 5 days of the stock market</a:t>
-            </a:r>
-          </a:p>
-          <a:p>
-            <a:pPr>
-              <a:buClr>
-                <a:srgbClr val="000000"/>
-              </a:buClr>
-              <a:buSzPct val="25000"/>
-            </a:pPr>
-            <a:r>
-              <a:rPr lang="en-US" sz="1867" dirty="0"/>
-              <a:t>	holdings = Number of stocks held at the current day</a:t>
-            </a:r>
-          </a:p>
-          <a:p>
-            <a:pPr>
-              <a:buClr>
-                <a:srgbClr val="000000"/>
-              </a:buClr>
-              <a:buSzPct val="25000"/>
-            </a:pPr>
-            <a:r>
-              <a:rPr lang="en-US" sz="1867" dirty="0"/>
-              <a:t>	Holdings represent our position as well (long, short or neutral)</a:t>
+              <a:t>Firstly,  Experience  Replay  and  random  batch  sampling has  been  employed  to  remove  correlation  between  training samples.</a:t>
             </a:r>
           </a:p>
           <a:p>
@@ -10326,120 +10258,24 @@
               <a:buSzPct val="25000"/>
             </a:pPr>
             <a:r>
+              <a:rPr lang="en-US" sz="1867" dirty="0"/>
+              <a:t>Secondly,  the  agent  has  been  trained  on  fused  images  of the  stock  data  (</a:t>
+            </a:r>
+            <a:r>
               <a:rPr lang="en-US" sz="1867" b="1" dirty="0"/>
-              <a:t>Action</a:t>
+              <a:t>Figure  1</a:t>
             </a:r>
             <a:r>
               <a:rPr lang="en-US" sz="1867" dirty="0"/>
-              <a:t> </a:t>
+              <a:t>)  and  trends  data  (</a:t>
             </a:r>
             <a:r>
               <a:rPr lang="en-US" sz="1867" b="1" dirty="0"/>
-              <a:t>a</a:t>
+              <a:t>Figure  2</a:t>
             </a:r>
             <a:r>
               <a:rPr lang="en-US" sz="1867" dirty="0"/>
-              <a:t>: Buy, sell or hold</a:t>
-            </a:r>
-          </a:p>
-          <a:p>
-            <a:pPr>
-              <a:buClr>
-                <a:srgbClr val="000000"/>
-              </a:buClr>
-              <a:buSzPct val="25000"/>
-            </a:pPr>
-            <a:r>
-              <a:rPr lang="en-US" sz="1867" b="1" dirty="0"/>
-              <a:t>Reward</a:t>
-            </a:r>
-            <a:r>
-              <a:rPr lang="en-US" sz="1867" dirty="0"/>
-              <a:t> </a:t>
-            </a:r>
-            <a:r>
-              <a:rPr lang="en-US" sz="1867" b="1" dirty="0"/>
-              <a:t>r</a:t>
-            </a:r>
-            <a:r>
-              <a:rPr lang="en-US" sz="1867" dirty="0"/>
-              <a:t>: Difference in close price for the 2 consecutive days x holdings</a:t>
-            </a:r>
-          </a:p>
-        </p:txBody>
-      </p:sp>
-      <p:sp>
-        <p:nvSpPr>
-          <p:cNvPr id="63" name="Shape 133"/>
-          <p:cNvSpPr txBox="1"/>
-          <p:nvPr/>
-        </p:nvSpPr>
-        <p:spPr>
-          <a:xfrm>
-            <a:off x="720979" y="12029637"/>
-            <a:ext cx="7917349" cy="430674"/>
-          </a:xfrm>
-          <a:prstGeom prst="rect">
-            <a:avLst/>
-          </a:prstGeom>
-          <a:noFill/>
-          <a:ln>
-            <a:noFill/>
-          </a:ln>
-        </p:spPr>
-        <p:txBody>
-          <a:bodyPr lIns="53331" tIns="53331" rIns="53331" bIns="53331" anchor="ctr" anchorCtr="0">
-            <a:noAutofit/>
-          </a:bodyPr>
-          <a:lstStyle/>
-          <a:p>
-            <a:pPr>
-              <a:buClr>
-                <a:srgbClr val="000000"/>
-              </a:buClr>
-              <a:buSzPct val="25000"/>
-            </a:pPr>
-            <a:r>
-              <a:rPr lang="en-US" sz="2800" b="1" dirty="0"/>
-              <a:t>Problem Description</a:t>
-            </a:r>
-          </a:p>
-        </p:txBody>
-      </p:sp>
-      <p:sp>
-        <p:nvSpPr>
-          <p:cNvPr id="64" name="Shape 132"/>
-          <p:cNvSpPr txBox="1"/>
-          <p:nvPr/>
-        </p:nvSpPr>
-        <p:spPr>
-          <a:xfrm>
-            <a:off x="8926123" y="3896220"/>
-            <a:ext cx="7865304" cy="5704979"/>
-          </a:xfrm>
-          <a:prstGeom prst="rect">
-            <a:avLst/>
-          </a:prstGeom>
-          <a:noFill/>
-          <a:ln>
-            <a:noFill/>
-          </a:ln>
-        </p:spPr>
-        <p:txBody>
-          <a:bodyPr lIns="133350" tIns="133350" rIns="133350" bIns="133350" anchor="t" anchorCtr="0">
-            <a:noAutofit/>
-          </a:bodyPr>
-          <a:lstStyle/>
-          <a:p>
-            <a:pPr>
-              <a:buClr>
-                <a:srgbClr val="000000"/>
-              </a:buClr>
-              <a:buSzPct val="25000"/>
-            </a:pPr>
-            <a:r>
-              <a:rPr lang="en-US" sz="1867" dirty="0"/>
-              <a:t>Q learning has been used to approximate the Quality value (q value) of each state, action pair, which is a metric to evaluate how good a specific state, action pair is relative to others.</a:t>
+              <a:t>)  via  a CNN instead of training on raw data</a:t>
             </a:r>
           </a:p>
           <a:p>
@@ -10459,8 +10295,144 @@
               <a:buSzPct val="25000"/>
             </a:pPr>
             <a:r>
+              <a:rPr lang="en-US" sz="1867" b="1" dirty="0"/>
+              <a:t>State</a:t>
+            </a:r>
+            <a:r>
               <a:rPr lang="en-US" sz="1867" dirty="0"/>
-              <a:t>Q learning takes into account future estimated reward and immediate reward based on the action it took, to compute the q value. Experience Replay and Batch sampling has also been implemented to reduce correlation between input states and ensure a better learning process.</a:t>
+              <a:t> </a:t>
+            </a:r>
+            <a:r>
+              <a:rPr lang="en-US" sz="1867" b="1" dirty="0"/>
+              <a:t>s</a:t>
+            </a:r>
+            <a:r>
+              <a:rPr lang="en-US" sz="1867" dirty="0"/>
+              <a:t>: image = Image of the last 16 days of the stock market</a:t>
+            </a:r>
+          </a:p>
+          <a:p>
+            <a:pPr>
+              <a:buClr>
+                <a:srgbClr val="000000"/>
+              </a:buClr>
+              <a:buSzPct val="25000"/>
+            </a:pPr>
+            <a:r>
+              <a:rPr lang="en-US" sz="1867" b="1" dirty="0"/>
+              <a:t>Action</a:t>
+            </a:r>
+            <a:r>
+              <a:rPr lang="en-US" sz="1867" dirty="0"/>
+              <a:t> </a:t>
+            </a:r>
+            <a:r>
+              <a:rPr lang="en-US" sz="1867" b="1" dirty="0"/>
+              <a:t>a</a:t>
+            </a:r>
+            <a:r>
+              <a:rPr lang="en-US" sz="1867" dirty="0"/>
+              <a:t>: Buy, sell or hold</a:t>
+            </a:r>
+          </a:p>
+          <a:p>
+            <a:pPr>
+              <a:buClr>
+                <a:srgbClr val="000000"/>
+              </a:buClr>
+              <a:buSzPct val="25000"/>
+            </a:pPr>
+            <a:r>
+              <a:rPr lang="en-US" sz="1867" b="1" dirty="0"/>
+              <a:t>Reward</a:t>
+            </a:r>
+            <a:r>
+              <a:rPr lang="en-US" sz="1867" dirty="0"/>
+              <a:t> </a:t>
+            </a:r>
+            <a:r>
+              <a:rPr lang="en-US" sz="1867" b="1" dirty="0"/>
+              <a:t>r</a:t>
+            </a:r>
+            <a:r>
+              <a:rPr lang="en-US" sz="1867" dirty="0"/>
+              <a:t>: Difference in close price for the 2 consecutive days x holdings</a:t>
+            </a:r>
+          </a:p>
+        </p:txBody>
+      </p:sp>
+      <p:sp>
+        <p:nvSpPr>
+          <p:cNvPr id="63" name="Shape 133"/>
+          <p:cNvSpPr txBox="1"/>
+          <p:nvPr/>
+        </p:nvSpPr>
+        <p:spPr>
+          <a:xfrm>
+            <a:off x="720979" y="12029637"/>
+            <a:ext cx="7917349" cy="430674"/>
+          </a:xfrm>
+          <a:prstGeom prst="rect">
+            <a:avLst/>
+          </a:prstGeom>
+          <a:noFill/>
+          <a:ln>
+            <a:noFill/>
+          </a:ln>
+        </p:spPr>
+        <p:txBody>
+          <a:bodyPr lIns="53331" tIns="53331" rIns="53331" bIns="53331" anchor="ctr" anchorCtr="0">
+            <a:noAutofit/>
+          </a:bodyPr>
+          <a:lstStyle/>
+          <a:p>
+            <a:pPr>
+              <a:buClr>
+                <a:srgbClr val="000000"/>
+              </a:buClr>
+              <a:buSzPct val="25000"/>
+            </a:pPr>
+            <a:r>
+              <a:rPr lang="en-US" sz="2800" b="1" dirty="0"/>
+              <a:t>Problem Description</a:t>
+            </a:r>
+          </a:p>
+        </p:txBody>
+      </p:sp>
+      <p:sp>
+        <p:nvSpPr>
+          <p:cNvPr id="64" name="Shape 132"/>
+          <p:cNvSpPr txBox="1"/>
+          <p:nvPr/>
+        </p:nvSpPr>
+        <p:spPr>
+          <a:xfrm>
+            <a:off x="8926123" y="3896220"/>
+            <a:ext cx="7865304" cy="6451350"/>
+          </a:xfrm>
+          <a:prstGeom prst="rect">
+            <a:avLst/>
+          </a:prstGeom>
+          <a:noFill/>
+          <a:ln>
+            <a:noFill/>
+          </a:ln>
+        </p:spPr>
+        <p:txBody>
+          <a:bodyPr lIns="133350" tIns="133350" rIns="133350" bIns="133350" anchor="t" anchorCtr="0">
+            <a:noAutofit/>
+          </a:bodyPr>
+          <a:lstStyle/>
+          <a:p>
+            <a:pPr>
+              <a:buClr>
+                <a:srgbClr val="000000"/>
+              </a:buClr>
+              <a:buSzPct val="25000"/>
+            </a:pPr>
+            <a:r>
+              <a:rPr lang="en-US" sz="1867" dirty="0"/>
+              <a:t>Q learning has been used to approximate the Quality value (q value) of each state, action pair, which is a metric to evaluate how good a specific state, action pair is relative to others.</a:t>
             </a:r>
           </a:p>
           <a:p>
@@ -10481,15 +10453,7 @@
             </a:pPr>
             <a:r>
               <a:rPr lang="en-US" sz="1867" dirty="0"/>
-              <a:t>A CNN has been used to process and train on the state (an image as shown in </a:t>
-            </a:r>
-            <a:r>
-              <a:rPr lang="en-US" sz="1867" b="1" dirty="0"/>
-              <a:t>Figure 2</a:t>
-            </a:r>
-            <a:r>
-              <a:rPr lang="en-US" sz="1867" dirty="0"/>
-              <a:t>).</a:t>
+              <a:t>This  method  approximates  the  Quality  value  (q  value)  of each state, action pair, which is a metric to evaluate how good a  specific  state,  action  pair  is  relative  to  others.  It  takes  into account future estimated reward and immediate reward based on  the  action  it  took,  to  compute  the  q  value.  Experience Replay  and  Batch  sampling  has  also  been  implemented  tor educe  correlation  between  input  states  and  ensure  a  better learning process.</a:t>
             </a:r>
           </a:p>
           <a:p>
@@ -10510,15 +10474,31 @@
             </a:pPr>
             <a:r>
               <a:rPr lang="en-US" sz="1867" dirty="0"/>
-              <a:t>A Convolutional Neural Network (</a:t>
-            </a:r>
-            <a:r>
-              <a:rPr lang="en-US" sz="1867" dirty="0" err="1"/>
-              <a:t>ConvNet</a:t>
+              <a:t>A CNN (</a:t>
+            </a:r>
+            <a:r>
+              <a:rPr lang="en-US" sz="1867" b="1" dirty="0"/>
+              <a:t>Figure 4)</a:t>
             </a:r>
             <a:r>
               <a:rPr lang="en-US" sz="1867" dirty="0"/>
-              <a:t>/CNN) is a Deep Learning algorithm which can take in an input image, learn weights and biases to assign importance to the relevant objects in the image and use those to be able to differentiate one image from another.</a:t>
+              <a:t> has been used to process and train on the state. The state is a fused representation of the two images shown in </a:t>
+            </a:r>
+            <a:r>
+              <a:rPr lang="en-US" sz="1867" b="1" dirty="0"/>
+              <a:t>Figure 1</a:t>
+            </a:r>
+            <a:r>
+              <a:rPr lang="en-US" sz="1867" dirty="0"/>
+              <a:t> and </a:t>
+            </a:r>
+            <a:r>
+              <a:rPr lang="en-US" sz="1867" b="1" dirty="0"/>
+              <a:t>Figure 2</a:t>
+            </a:r>
+            <a:r>
+              <a:rPr lang="en-US" sz="1867" dirty="0"/>
+              <a:t>.</a:t>
             </a:r>
           </a:p>
           <a:p>
@@ -10539,7 +10519,7 @@
             </a:pPr>
             <a:r>
               <a:rPr lang="en-US" sz="1867" dirty="0"/>
-              <a:t>The state is represented by an image of the stock data. Images are generated at each data point to be used in the training process. The images are re-sized to enable training the CNN in a reasonable time.</a:t>
+              <a:t>A Convolutional Neural Network (CNN) is a Learning  architecture  specifically  designed  for  images. CNNs take  advantage  of  the  hierarchical  pattern  in  data  and assemble  more  complex  patterns  using  smaller  and  simpler patterns. They learn weights and biases to assign importance to  the  relevant  features  in  the  image.  It  has  been  essential in this project to be able to train on images of the stock market.</a:t>
             </a:r>
           </a:p>
         </p:txBody>
@@ -10591,7 +10571,7 @@
         </p:nvSpPr>
         <p:spPr>
           <a:xfrm>
-            <a:off x="8925993" y="10544017"/>
+            <a:off x="8925993" y="11265804"/>
             <a:ext cx="7865434" cy="2120662"/>
           </a:xfrm>
           <a:prstGeom prst="rect">
@@ -10616,27 +10596,15 @@
             </a:pPr>
             <a:r>
               <a:rPr lang="en-US" sz="1867" dirty="0"/>
-              <a:t>The graphs on the algorithm described are shown in </a:t>
-            </a:r>
-            <a:r>
-              <a:rPr lang="en-US" sz="1867" b="1" dirty="0"/>
-              <a:t>Figure 3</a:t>
+              <a:t>Training has been done on 200 days of 2018 stock data of S&amp;P500 combined with Google trends data from the search string '</a:t>
+            </a:r>
+            <a:r>
+              <a:rPr lang="en-US" sz="1867" dirty="0" err="1"/>
+              <a:t>Stockmarket</a:t>
             </a:r>
             <a:r>
               <a:rPr lang="en-US" sz="1867" dirty="0"/>
-              <a:t>. They represent the performance of the DQN agent with respect to time.</a:t>
-            </a:r>
-          </a:p>
-          <a:p>
-            <a:pPr>
-              <a:buClr>
-                <a:srgbClr val="000000"/>
-              </a:buClr>
-              <a:buSzPct val="25000"/>
-            </a:pPr>
-            <a:r>
-              <a:rPr lang="en-US" sz="1867" dirty="0"/>
-              <a:t>Different parameters, reward structures and image sizes combinations have been tested and the following gave the most optimistic results. </a:t>
+              <a:t> crash’.</a:t>
             </a:r>
           </a:p>
           <a:p>
@@ -10657,7 +10625,23 @@
             </a:pPr>
             <a:r>
               <a:rPr lang="en-US" sz="1867" dirty="0"/>
-              <a:t>Higher value on Y-axis corresponds to greater profits made, and the agent seems to be getting better at it as it learns.</a:t>
+              <a:t>Testing has been done on 20 days of 2019 stock data of S&amp;P500 combined with Google trends data from the search string '</a:t>
+            </a:r>
+            <a:r>
+              <a:rPr lang="en-US" sz="1867" dirty="0" err="1"/>
+              <a:t>Stockmarket</a:t>
+            </a:r>
+            <a:r>
+              <a:rPr lang="en-US" sz="1867" dirty="0"/>
+              <a:t> crash' (</a:t>
+            </a:r>
+            <a:r>
+              <a:rPr lang="en-US" sz="1867" b="1" dirty="0"/>
+              <a:t>Figure 3</a:t>
+            </a:r>
+            <a:r>
+              <a:rPr lang="en-US" sz="1867" dirty="0"/>
+              <a:t>).</a:t>
             </a:r>
           </a:p>
         </p:txBody>
@@ -10670,7 +10654,7 @@
         </p:nvSpPr>
         <p:spPr>
           <a:xfrm>
-            <a:off x="9020437" y="9974532"/>
+            <a:off x="8936972" y="10591350"/>
             <a:ext cx="7917349" cy="430674"/>
           </a:xfrm>
           <a:prstGeom prst="rect">
@@ -10771,7 +10755,7 @@
             </a:pPr>
             <a:r>
               <a:rPr lang="en-US" sz="2800" b="1" dirty="0"/>
-              <a:t>Summary</a:t>
+              <a:t>Conclusion</a:t>
             </a:r>
           </a:p>
         </p:txBody>
@@ -10847,7 +10831,7 @@
             </a:pPr>
             <a:r>
               <a:rPr lang="en-US" sz="2800" b="1" dirty="0"/>
-              <a:t>Conclusion</a:t>
+              <a:t>Future Work</a:t>
             </a:r>
           </a:p>
         </p:txBody>
@@ -11015,7 +10999,19 @@
             </a:pPr>
             <a:r>
               <a:rPr lang="en-US" sz="1867" dirty="0"/>
-              <a:t>CNN implementation in DQN reference: https://towardsdatascience.com/atari-reinforcement-learning-in-depth-part-1-ddqn-ceaa762a546f</a:t>
+              <a:t>Reference for CNN implementation in DQN:</a:t>
+            </a:r>
+          </a:p>
+          <a:p>
+            <a:pPr>
+              <a:buClr>
+                <a:srgbClr val="000000"/>
+              </a:buClr>
+              <a:buSzPct val="25000"/>
+            </a:pPr>
+            <a:r>
+              <a:rPr lang="en-US" sz="1867" dirty="0"/>
+              <a:t>https://towardsdatascience.com/atari-reinforcement-learning-in-depth-part-1-ddqn-ceaa762a546f</a:t>
             </a:r>
           </a:p>
         </p:txBody>
@@ -11118,36 +11114,6 @@
           </a:prstGeom>
         </p:spPr>
       </p:pic>
-      <p:pic>
-        <p:nvPicPr>
-          <p:cNvPr id="14" name="Picture 13">
-            <a:extLst>
-              <a:ext uri="{FF2B5EF4-FFF2-40B4-BE49-F238E27FC236}">
-                <a16:creationId xmlns:a16="http://schemas.microsoft.com/office/drawing/2014/main" id="{F06153CD-97FE-4F4D-BEB8-9C13724ACEA1}"/>
-              </a:ext>
-            </a:extLst>
-          </p:cNvPr>
-          <p:cNvPicPr>
-            <a:picLocks noChangeAspect="1"/>
-          </p:cNvPicPr>
-          <p:nvPr/>
-        </p:nvPicPr>
-        <p:blipFill>
-          <a:blip r:embed="rId5"/>
-          <a:stretch>
-            <a:fillRect/>
-          </a:stretch>
-        </p:blipFill>
-        <p:spPr>
-          <a:xfrm>
-            <a:off x="7327861" y="6999882"/>
-            <a:ext cx="517632" cy="4389129"/>
-          </a:xfrm>
-          <a:prstGeom prst="rect">
-            <a:avLst/>
-          </a:prstGeom>
-        </p:spPr>
-      </p:pic>
       <p:sp>
         <p:nvSpPr>
           <p:cNvPr id="57" name="Shape 133">
@@ -11207,10 +11173,10 @@
           <p:nvPr/>
         </p:nvPicPr>
         <p:blipFill>
-          <a:blip r:embed="rId6">
+          <a:blip r:embed="rId5">
             <a:extLst>
               <a:ext uri="{96DAC541-7B7A-43D3-8B79-37D633B846F1}">
-                <asvg:svgBlip xmlns:asvg="http://schemas.microsoft.com/office/drawing/2016/SVG/main" r:embed="rId7"/>
+                <asvg:svgBlip xmlns:asvg="http://schemas.microsoft.com/office/drawing/2016/SVG/main" r:embed="rId6"/>
               </a:ext>
             </a:extLst>
           </a:blip>
@@ -11220,7 +11186,7 @@
         </p:blipFill>
         <p:spPr>
           <a:xfrm>
-            <a:off x="11934335" y="2738451"/>
+            <a:off x="11952706" y="2787246"/>
             <a:ext cx="15939816" cy="6994425"/>
           </a:xfrm>
           <a:prstGeom prst="rect">
@@ -11267,23 +11233,7 @@
             </a:pPr>
             <a:r>
               <a:rPr lang="en-US" sz="1800" b="1" dirty="0"/>
-              <a:t>Figure 1: </a:t>
-            </a:r>
-            <a:r>
-              <a:rPr lang="en-US" sz="1800" dirty="0"/>
-              <a:t>Graphical Representation</a:t>
-            </a:r>
-            <a:r>
-              <a:rPr lang="en-US" sz="1800" b="1" dirty="0"/>
-              <a:t>		         Figure 2: </a:t>
-            </a:r>
-            <a:r>
-              <a:rPr lang="en-US" sz="1800" dirty="0"/>
-              <a:t>Actual Image</a:t>
-            </a:r>
-            <a:r>
-              <a:rPr lang="en-US" sz="1800" b="1" dirty="0"/>
-              <a:t> </a:t>
+              <a:t>   Figure 1: Stock Image			Figure 2: Trends Image </a:t>
             </a:r>
           </a:p>
         </p:txBody>
@@ -11327,7 +11277,7 @@
             </a:pPr>
             <a:r>
               <a:rPr lang="en-US" sz="1600" b="1" dirty="0"/>
-              <a:t>CNN: 32 (conv) : 64  (conv) : 64 (conv) : 512 (fully connected) : 3 (actions)</a:t>
+              <a:t>Figure 4: CNN: 32 (conv) : 64  (conv) : 64 (conv) : 512 (FC) : 3 (actions)</a:t>
             </a:r>
           </a:p>
         </p:txBody>
@@ -11346,7 +11296,7 @@
         </p:nvSpPr>
         <p:spPr>
           <a:xfrm>
-            <a:off x="8842819" y="17684470"/>
+            <a:off x="8842820" y="17997502"/>
             <a:ext cx="7917349" cy="430674"/>
           </a:xfrm>
           <a:prstGeom prst="rect">
@@ -11378,10 +11328,10 @@
       </p:sp>
       <p:pic>
         <p:nvPicPr>
-          <p:cNvPr id="5" name="Picture 4">
+          <p:cNvPr id="6" name="Picture 5">
             <a:extLst>
               <a:ext uri="{FF2B5EF4-FFF2-40B4-BE49-F238E27FC236}">
-                <a16:creationId xmlns:a16="http://schemas.microsoft.com/office/drawing/2014/main" id="{C5E58945-8352-41EC-8D0C-27749E1CDE2D}"/>
+                <a16:creationId xmlns:a16="http://schemas.microsoft.com/office/drawing/2014/main" id="{0ADDE1B5-0EA4-48E9-B834-DD95D6CE1A4D}"/>
               </a:ext>
             </a:extLst>
           </p:cNvPr>
@@ -11391,45 +11341,15 @@
           <p:nvPr/>
         </p:nvPicPr>
         <p:blipFill>
-          <a:blip r:embed="rId8"/>
+          <a:blip r:embed="rId7"/>
           <a:stretch>
             <a:fillRect/>
           </a:stretch>
         </p:blipFill>
         <p:spPr>
           <a:xfrm>
-            <a:off x="1015541" y="6994406"/>
-            <a:ext cx="5805718" cy="4394603"/>
-          </a:xfrm>
-          <a:prstGeom prst="rect">
-            <a:avLst/>
-          </a:prstGeom>
-        </p:spPr>
-      </p:pic>
-      <p:pic>
-        <p:nvPicPr>
-          <p:cNvPr id="8" name="Picture 7">
-            <a:extLst>
-              <a:ext uri="{FF2B5EF4-FFF2-40B4-BE49-F238E27FC236}">
-                <a16:creationId xmlns:a16="http://schemas.microsoft.com/office/drawing/2014/main" id="{B2BEB55A-AB4E-4454-8528-BF582AA28812}"/>
-              </a:ext>
-            </a:extLst>
-          </p:cNvPr>
-          <p:cNvPicPr>
-            <a:picLocks noChangeAspect="1"/>
-          </p:cNvPicPr>
-          <p:nvPr/>
-        </p:nvPicPr>
-        <p:blipFill>
-          <a:blip r:embed="rId9"/>
-          <a:stretch>
-            <a:fillRect/>
-          </a:stretch>
-        </p:blipFill>
-        <p:spPr>
-          <a:xfrm>
-            <a:off x="10383840" y="13492940"/>
-            <a:ext cx="4835305" cy="3626479"/>
+            <a:off x="9588001" y="13858580"/>
+            <a:ext cx="6426985" cy="3895142"/>
           </a:xfrm>
           <a:prstGeom prst="rect">
             <a:avLst/>

--- a/Project/Agnibh_Dasgupta_poster.pptx
+++ b/Project/Agnibh_Dasgupta_poster.pptx
@@ -9250,7 +9250,7 @@
         <p:spPr>
           <a:xfrm>
             <a:off x="600602" y="3851737"/>
-            <a:ext cx="7858105" cy="2607017"/>
+            <a:ext cx="7858105" cy="3332834"/>
           </a:xfrm>
           <a:prstGeom prst="rect">
             <a:avLst/>
@@ -9274,7 +9274,7 @@
             </a:pPr>
             <a:r>
               <a:rPr lang="en-US" sz="1867" dirty="0"/>
-              <a:t>Developing a strategy for stock trading is a vital part of investment companies. However, it is difficult to obtain an optimal strategy, given the complex and dynamic nature of the stock market. This project aims to explore the applications of Reinforcement Learning with the goal of maximizing returns from market investment, keeping in mind the human aspect of studying trends and graphs to make predictions. Deep Q Learning has been used to train an agent based on fused images of stock data and Google trends data via a Deep Convolutional Neural Network. This project explores the novel approach of effect of social media trends in the form of graphical information, on training a Reinforcement Learning agent for stock trading. On preliminary experimentation, the agent seems to be able to make positive returns on one stock.</a:t>
+              <a:t>Developing a strategy for stock trading is a vital part of investment companies. This project aims to explore the applications of Reinforcement Learning with the goal of maximizing returns from market investment, keeping in mind the human aspect of studying trends and graphs to make predictions. Q Learning has been used to train an agent based on fused images of stock data and Google trends data via a Deep Convolutional Neural Network. This project explores the novel approach of effect of social media trends in the form of graphical information, on training a Reinforcement Learning agent. On preliminary experimentation, the agent seems to be able to make positive returns.</a:t>
             </a:r>
           </a:p>
         </p:txBody>
@@ -10259,23 +10259,7 @@
             </a:pPr>
             <a:r>
               <a:rPr lang="en-US" sz="1867" dirty="0"/>
-              <a:t>Secondly,  the  agent  has  been  trained  on  fused  images  of the  stock  data  (</a:t>
-            </a:r>
-            <a:r>
-              <a:rPr lang="en-US" sz="1867" b="1" dirty="0"/>
-              <a:t>Figure  1</a:t>
-            </a:r>
-            <a:r>
-              <a:rPr lang="en-US" sz="1867" dirty="0"/>
-              <a:t>)  and  trends  data  (</a:t>
-            </a:r>
-            <a:r>
-              <a:rPr lang="en-US" sz="1867" b="1" dirty="0"/>
-              <a:t>Figure  2</a:t>
-            </a:r>
-            <a:r>
-              <a:rPr lang="en-US" sz="1867" dirty="0"/>
-              <a:t>)  via  a CNN instead of training on raw data</a:t>
+              <a:t>Secondly,  the  agent  has  been  trained  on  fused  images  of the  stock  data  and  trends  data  via  a CNN instead of training on raw data.</a:t>
             </a:r>
           </a:p>
           <a:p>
@@ -10482,19 +10466,11 @@
             </a:r>
             <a:r>
               <a:rPr lang="en-US" sz="1867" dirty="0"/>
-              <a:t> has been used to process and train on the state. The state is a fused representation of the two images shown in </a:t>
+              <a:t> has been used to process and train on the state. The state is a fused representation of the two images. A representation of the stock image is shown in </a:t>
             </a:r>
             <a:r>
               <a:rPr lang="en-US" sz="1867" b="1" dirty="0"/>
               <a:t>Figure 1</a:t>
-            </a:r>
-            <a:r>
-              <a:rPr lang="en-US" sz="1867" dirty="0"/>
-              <a:t> and </a:t>
-            </a:r>
-            <a:r>
-              <a:rPr lang="en-US" sz="1867" b="1" dirty="0"/>
-              <a:t>Figure 2</a:t>
             </a:r>
             <a:r>
               <a:rPr lang="en-US" sz="1867" dirty="0"/>
@@ -11233,7 +11209,7 @@
             </a:pPr>
             <a:r>
               <a:rPr lang="en-US" sz="1800" b="1" dirty="0"/>
-              <a:t>   Figure 1: Stock Image			Figure 2: Trends Image </a:t>
+              <a:t>   	Figure 1: Graphical representation of stock Image </a:t>
             </a:r>
           </a:p>
         </p:txBody>
@@ -11350,6 +11326,36 @@
           <a:xfrm>
             <a:off x="9588001" y="13858580"/>
             <a:ext cx="6426985" cy="3895142"/>
+          </a:xfrm>
+          <a:prstGeom prst="rect">
+            <a:avLst/>
+          </a:prstGeom>
+        </p:spPr>
+      </p:pic>
+      <p:pic>
+        <p:nvPicPr>
+          <p:cNvPr id="8" name="Picture 7">
+            <a:extLst>
+              <a:ext uri="{FF2B5EF4-FFF2-40B4-BE49-F238E27FC236}">
+                <a16:creationId xmlns:a16="http://schemas.microsoft.com/office/drawing/2014/main" id="{41A5FD21-3601-49D3-BFE4-663E1C929AB1}"/>
+              </a:ext>
+            </a:extLst>
+          </p:cNvPr>
+          <p:cNvPicPr>
+            <a:picLocks noChangeAspect="1"/>
+          </p:cNvPicPr>
+          <p:nvPr/>
+        </p:nvPicPr>
+        <p:blipFill>
+          <a:blip r:embed="rId8"/>
+          <a:stretch>
+            <a:fillRect/>
+          </a:stretch>
+        </p:blipFill>
+        <p:spPr>
+          <a:xfrm>
+            <a:off x="1546623" y="7121895"/>
+            <a:ext cx="5711415" cy="4283561"/>
           </a:xfrm>
           <a:prstGeom prst="rect">
             <a:avLst/>

--- a/Project/Agnibh_Dasgupta_poster.pptx
+++ b/Project/Agnibh_Dasgupta_poster.pptx
@@ -498,7 +498,7 @@
           </a:bodyPr>
           <a:lstStyle/>
           <a:p>
-            <a:endParaRPr/>
+            <a:endParaRPr dirty="0"/>
           </a:p>
         </p:txBody>
       </p:sp>
@@ -9249,8 +9249,8 @@
         </p:nvSpPr>
         <p:spPr>
           <a:xfrm>
-            <a:off x="600602" y="3851737"/>
-            <a:ext cx="7858105" cy="3332834"/>
+            <a:off x="600602" y="3632763"/>
+            <a:ext cx="7858105" cy="2914152"/>
           </a:xfrm>
           <a:prstGeom prst="rect">
             <a:avLst/>
@@ -9274,7 +9274,7 @@
             </a:pPr>
             <a:r>
               <a:rPr lang="en-US" sz="1867" dirty="0"/>
-              <a:t>Developing a strategy for stock trading is a vital part of investment companies. This project aims to explore the applications of Reinforcement Learning with the goal of maximizing returns from market investment, keeping in mind the human aspect of studying trends and graphs to make predictions. Q Learning has been used to train an agent based on fused images of stock data and Google trends data via a Deep Convolutional Neural Network. This project explores the novel approach of effect of social media trends in the form of graphical information, on training a Reinforcement Learning agent. On preliminary experimentation, the agent seems to be able to make positive returns.</a:t>
+              <a:t>Developing a strategy for stock trading is a vital part of investment companies. However, it is difficult to obtain an optimal strategy, given the complex and dynamic nature of the stock market. This thesis aims to explore the applications of RL with the goal of maximizing returns from market investment, keeping in mind the human aspect of trading by utilizing stock prices in the form of candlesticks. DQN has been used to train an agent based on fused images of stock data and Google trends data via a CNN. This thesis explores the novel approach of using social media trends in the form of graphical information to augment training an RL agent for stock trading.</a:t>
             </a:r>
           </a:p>
         </p:txBody>
@@ -9287,7 +9287,7 @@
         </p:nvSpPr>
         <p:spPr>
           <a:xfrm>
-            <a:off x="667486" y="3447112"/>
+            <a:off x="667486" y="3366430"/>
             <a:ext cx="7858105" cy="266333"/>
           </a:xfrm>
           <a:prstGeom prst="rect">
@@ -9732,7 +9732,7 @@
           </a:bodyPr>
           <a:lstStyle/>
           <a:p>
-            <a:endParaRPr sz="477"/>
+            <a:endParaRPr sz="477" dirty="0"/>
           </a:p>
         </p:txBody>
       </p:sp>
@@ -10150,8 +10150,8 @@
         </p:nvSpPr>
         <p:spPr>
           <a:xfrm>
-            <a:off x="600602" y="12460312"/>
-            <a:ext cx="7928199" cy="6282307"/>
+            <a:off x="667486" y="10984284"/>
+            <a:ext cx="7928199" cy="7641836"/>
           </a:xfrm>
           <a:prstGeom prst="rect">
             <a:avLst/>
@@ -10175,7 +10175,330 @@
             </a:pPr>
             <a:r>
               <a:rPr lang="en-US" sz="1867" dirty="0"/>
-              <a:t>One of the problems related to predicting time series stock data  is  that  the  data  is  often  correlated,  leading  to  similar training instances.</a:t>
+              <a:t>Due to the stochastic nature of the stock market, the stock trading process has been modelled as a Markov Decision Process (MDP) as follows:</a:t>
+            </a:r>
+          </a:p>
+          <a:p>
+            <a:pPr>
+              <a:buClr>
+                <a:srgbClr val="000000"/>
+              </a:buClr>
+              <a:buSzPct val="25000"/>
+            </a:pPr>
+            <a:endParaRPr lang="en-US" sz="1867" b="1" dirty="0"/>
+          </a:p>
+          <a:p>
+            <a:pPr>
+              <a:buClr>
+                <a:srgbClr val="000000"/>
+              </a:buClr>
+              <a:buSzPct val="25000"/>
+            </a:pPr>
+            <a:r>
+              <a:rPr lang="en-US" sz="1867" b="1" dirty="0"/>
+              <a:t>State s</a:t>
+            </a:r>
+            <a:r>
+              <a:rPr lang="en-US" sz="1867" dirty="0"/>
+              <a:t> = Stocks, Trends concatenated along the z axis</a:t>
+            </a:r>
+          </a:p>
+          <a:p>
+            <a:pPr>
+              <a:buClr>
+                <a:srgbClr val="000000"/>
+              </a:buClr>
+              <a:buSzPct val="25000"/>
+            </a:pPr>
+            <a:r>
+              <a:rPr lang="en-US" sz="1867" dirty="0"/>
+              <a:t>It is a 3D array with shape = [d, d, 2] where,</a:t>
+            </a:r>
+          </a:p>
+          <a:p>
+            <a:pPr>
+              <a:buClr>
+                <a:srgbClr val="000000"/>
+              </a:buClr>
+              <a:buSzPct val="25000"/>
+            </a:pPr>
+            <a:r>
+              <a:rPr lang="en-US" sz="1867" dirty="0"/>
+              <a:t>	Stocks is an 2D array of dimensions [d, d, 1]</a:t>
+            </a:r>
+          </a:p>
+          <a:p>
+            <a:pPr>
+              <a:buClr>
+                <a:srgbClr val="000000"/>
+              </a:buClr>
+              <a:buSzPct val="25000"/>
+            </a:pPr>
+            <a:r>
+              <a:rPr lang="en-US" sz="1867" dirty="0"/>
+              <a:t>	Trends is an 2D array of dimensions [d, d, 1]</a:t>
+            </a:r>
+          </a:p>
+          <a:p>
+            <a:pPr>
+              <a:buClr>
+                <a:srgbClr val="000000"/>
+              </a:buClr>
+              <a:buSzPct val="25000"/>
+            </a:pPr>
+            <a:endParaRPr lang="en-US" sz="1867" b="1" dirty="0"/>
+          </a:p>
+          <a:p>
+            <a:pPr>
+              <a:buClr>
+                <a:srgbClr val="000000"/>
+              </a:buClr>
+              <a:buSzPct val="25000"/>
+            </a:pPr>
+            <a:r>
+              <a:rPr lang="en-US" sz="1867" b="1" dirty="0"/>
+              <a:t>d</a:t>
+            </a:r>
+            <a:r>
+              <a:rPr lang="en-US" sz="1867" dirty="0"/>
+              <a:t> = number of days taken into consideration as part of the state.</a:t>
+            </a:r>
+          </a:p>
+          <a:p>
+            <a:pPr>
+              <a:buClr>
+                <a:srgbClr val="000000"/>
+              </a:buClr>
+              <a:buSzPct val="25000"/>
+            </a:pPr>
+            <a:r>
+              <a:rPr lang="en-US" sz="1867" dirty="0"/>
+              <a:t>(d=5 for Fig 1)</a:t>
+            </a:r>
+          </a:p>
+          <a:p>
+            <a:pPr>
+              <a:buClr>
+                <a:srgbClr val="000000"/>
+              </a:buClr>
+              <a:buSzPct val="25000"/>
+            </a:pPr>
+            <a:endParaRPr lang="en-US" sz="1867" b="1" dirty="0"/>
+          </a:p>
+          <a:p>
+            <a:pPr>
+              <a:buClr>
+                <a:srgbClr val="000000"/>
+              </a:buClr>
+              <a:buSzPct val="25000"/>
+            </a:pPr>
+            <a:r>
+              <a:rPr lang="en-US" sz="1867" b="1" dirty="0"/>
+              <a:t>Action a</a:t>
+            </a:r>
+            <a:r>
+              <a:rPr lang="en-US" sz="1867" dirty="0"/>
+              <a:t> = set of all actions on one stock: Buy (1), Sell (-1) and Hold (0) They signify long, short or neutral positions (p) respectively.</a:t>
+            </a:r>
+          </a:p>
+          <a:p>
+            <a:pPr>
+              <a:buClr>
+                <a:srgbClr val="000000"/>
+              </a:buClr>
+              <a:buSzPct val="25000"/>
+            </a:pPr>
+            <a:endParaRPr lang="en-US" sz="1867" b="1" dirty="0"/>
+          </a:p>
+          <a:p>
+            <a:pPr>
+              <a:buClr>
+                <a:srgbClr val="000000"/>
+              </a:buClr>
+              <a:buSzPct val="25000"/>
+            </a:pPr>
+            <a:r>
+              <a:rPr lang="en-US" sz="1867" b="1" dirty="0"/>
+              <a:t>Position p(a)</a:t>
+            </a:r>
+            <a:r>
+              <a:rPr lang="en-US" sz="1867" dirty="0"/>
+              <a:t> = Long (1), short (-1) and neutral (0).</a:t>
+            </a:r>
+          </a:p>
+          <a:p>
+            <a:pPr>
+              <a:buClr>
+                <a:srgbClr val="000000"/>
+              </a:buClr>
+              <a:buSzPct val="25000"/>
+            </a:pPr>
+            <a:endParaRPr lang="en-US" sz="1867" b="1" dirty="0"/>
+          </a:p>
+          <a:p>
+            <a:pPr>
+              <a:buClr>
+                <a:srgbClr val="000000"/>
+              </a:buClr>
+              <a:buSzPct val="25000"/>
+            </a:pPr>
+            <a:r>
+              <a:rPr lang="en-US" sz="1867" b="1" dirty="0"/>
+              <a:t>Reward r(p, s')</a:t>
+            </a:r>
+            <a:r>
+              <a:rPr lang="en-US" sz="1867" dirty="0"/>
+              <a:t> = p * (Difference between the close and open prices at state s' which the agent arrives at by taking action a on state s).</a:t>
+            </a:r>
+          </a:p>
+          <a:p>
+            <a:pPr>
+              <a:buClr>
+                <a:srgbClr val="000000"/>
+              </a:buClr>
+              <a:buSzPct val="25000"/>
+            </a:pPr>
+            <a:endParaRPr lang="en-US" sz="1867" b="1" dirty="0"/>
+          </a:p>
+          <a:p>
+            <a:pPr>
+              <a:buClr>
+                <a:srgbClr val="000000"/>
+              </a:buClr>
+              <a:buSzPct val="25000"/>
+            </a:pPr>
+            <a:r>
+              <a:rPr lang="en-US" sz="1867" b="1" dirty="0"/>
+              <a:t>Policy </a:t>
+            </a:r>
+            <a:r>
+              <a:rPr lang="el-GR" sz="2000" b="1" dirty="0"/>
+              <a:t>π</a:t>
+            </a:r>
+            <a:r>
+              <a:rPr lang="en-US" sz="1867" b="1" dirty="0"/>
+              <a:t>(s)</a:t>
+            </a:r>
+            <a:r>
+              <a:rPr lang="en-US" sz="1867" dirty="0"/>
+              <a:t> = The trading strategy of the agent at state s. It is essentially the probability distribution of action a at state s. The sum of the probability distribution amounts to 1.</a:t>
+            </a:r>
+          </a:p>
+          <a:p>
+            <a:pPr>
+              <a:buClr>
+                <a:srgbClr val="000000"/>
+              </a:buClr>
+              <a:buSzPct val="25000"/>
+            </a:pPr>
+            <a:endParaRPr lang="en-US" sz="1867" b="1" dirty="0"/>
+          </a:p>
+          <a:p>
+            <a:pPr>
+              <a:buClr>
+                <a:srgbClr val="000000"/>
+              </a:buClr>
+              <a:buSzPct val="25000"/>
+            </a:pPr>
+            <a:r>
+              <a:rPr lang="en-US" sz="1867" b="1" dirty="0"/>
+              <a:t>Action-value function Q</a:t>
+            </a:r>
+            <a:r>
+              <a:rPr lang="el-GR" sz="1800" b="1" dirty="0"/>
+              <a:t>π</a:t>
+            </a:r>
+            <a:r>
+              <a:rPr lang="en-US" sz="1867" b="1" dirty="0"/>
+              <a:t>(s, a)</a:t>
+            </a:r>
+            <a:r>
+              <a:rPr lang="en-US" sz="1867" dirty="0"/>
+              <a:t> =  The expected reward achieved by action a at state s following policy </a:t>
+            </a:r>
+            <a:r>
+              <a:rPr lang="el-GR" sz="2000" dirty="0"/>
+              <a:t>π</a:t>
+            </a:r>
+            <a:r>
+              <a:rPr lang="en-US" sz="1867" dirty="0"/>
+              <a:t>.</a:t>
+            </a:r>
+          </a:p>
+        </p:txBody>
+      </p:sp>
+      <p:sp>
+        <p:nvSpPr>
+          <p:cNvPr id="63" name="Shape 133"/>
+          <p:cNvSpPr txBox="1"/>
+          <p:nvPr/>
+        </p:nvSpPr>
+        <p:spPr>
+          <a:xfrm>
+            <a:off x="726387" y="10599064"/>
+            <a:ext cx="7917349" cy="430674"/>
+          </a:xfrm>
+          <a:prstGeom prst="rect">
+            <a:avLst/>
+          </a:prstGeom>
+          <a:noFill/>
+          <a:ln>
+            <a:noFill/>
+          </a:ln>
+        </p:spPr>
+        <p:txBody>
+          <a:bodyPr lIns="53331" tIns="53331" rIns="53331" bIns="53331" anchor="ctr" anchorCtr="0">
+            <a:noAutofit/>
+          </a:bodyPr>
+          <a:lstStyle/>
+          <a:p>
+            <a:pPr>
+              <a:buClr>
+                <a:srgbClr val="000000"/>
+              </a:buClr>
+              <a:buSzPct val="25000"/>
+            </a:pPr>
+            <a:r>
+              <a:rPr lang="en-US" sz="2800" b="1" dirty="0"/>
+              <a:t>Problem Description</a:t>
+            </a:r>
+          </a:p>
+        </p:txBody>
+      </p:sp>
+      <p:sp>
+        <p:nvSpPr>
+          <p:cNvPr id="64" name="Shape 132"/>
+          <p:cNvSpPr txBox="1"/>
+          <p:nvPr/>
+        </p:nvSpPr>
+        <p:spPr>
+          <a:xfrm>
+            <a:off x="8926123" y="3709834"/>
+            <a:ext cx="7865304" cy="7088064"/>
+          </a:xfrm>
+          <a:prstGeom prst="rect">
+            <a:avLst/>
+          </a:prstGeom>
+          <a:noFill/>
+          <a:ln>
+            <a:noFill/>
+          </a:ln>
+        </p:spPr>
+        <p:txBody>
+          <a:bodyPr lIns="133350" tIns="133350" rIns="133350" bIns="133350" anchor="t" anchorCtr="0">
+            <a:noAutofit/>
+          </a:bodyPr>
+          <a:lstStyle/>
+          <a:p>
+            <a:pPr>
+              <a:buClr>
+                <a:srgbClr val="000000"/>
+              </a:buClr>
+              <a:buSzPct val="25000"/>
+            </a:pPr>
+            <a:r>
+              <a:rPr lang="en-US" sz="1867" dirty="0"/>
+              <a:t>Q learning has been used in this work since the problem can be modelled as a Markov Decision Process. Q learning finds a policy that is optimal in the sense that it maximizes the expected value of the total reward over any and all successive steps, starting from the current state. Being a model-free reinforcement learning algorithm, the goal of Q learning is to learn the optimal policy, which directs an agent towards the correct action to take in a situation. It does not require a model of the environment, and it can handle problems with random transitions and rewards, without requiring changes.</a:t>
             </a:r>
           </a:p>
           <a:p>
@@ -10196,7 +10519,7 @@
             </a:pPr>
             <a:r>
               <a:rPr lang="en-US" sz="1867" dirty="0"/>
-              <a:t>The  second  problem  is  that,  strictly  data  based  methods tend  to  focus  on  getting  optimal  results  solely  based  on data, not taking into consideration the human decision making strategies, which involve visual ques such as graphs and trends, when making decisions.</a:t>
+              <a:t>This method approximates the Quality value (q value) of each state, action pair using the Bellman Equation.</a:t>
             </a:r>
           </a:p>
           <a:p>
@@ -10217,7 +10540,7 @@
             </a:pPr>
             <a:r>
               <a:rPr lang="en-US" sz="1867" dirty="0"/>
-              <a:t>This  work  has  tried  to  tackle  both  of  these  issues:</a:t>
+              <a:t>The Q value which is a metric to evaluate how good a specific state, action pair is relative to others. It takes into account future estimated reward and immediate reward based on the action it took, to compute the q value</a:t>
             </a:r>
           </a:p>
           <a:p>
@@ -10238,7 +10561,91 @@
             </a:pPr>
             <a:r>
               <a:rPr lang="en-US" sz="1867" dirty="0"/>
-              <a:t>Firstly,  Experience  Replay  and  random  batch  sampling has  been  employed  to  remove  correlation  between  training samples.</a:t>
+              <a:t>We  have used a CNN to approximate the image states instead of raw values. A CNN takes advantage of the hierarchical pattern in image data and assembles more complex patterns using smaller and simpler patterns. They learn weights and biases to assign importance to the relevant features in the image. It has been essential in this project to be able to train on images of the stock market.</a:t>
+            </a:r>
+          </a:p>
+        </p:txBody>
+      </p:sp>
+      <p:sp>
+        <p:nvSpPr>
+          <p:cNvPr id="65" name="Shape 133"/>
+          <p:cNvSpPr txBox="1"/>
+          <p:nvPr/>
+        </p:nvSpPr>
+        <p:spPr>
+          <a:xfrm>
+            <a:off x="9022375" y="3394665"/>
+            <a:ext cx="7917349" cy="430674"/>
+          </a:xfrm>
+          <a:prstGeom prst="rect">
+            <a:avLst/>
+          </a:prstGeom>
+          <a:noFill/>
+          <a:ln>
+            <a:noFill/>
+          </a:ln>
+        </p:spPr>
+        <p:txBody>
+          <a:bodyPr lIns="53331" tIns="53331" rIns="53331" bIns="53331" anchor="ctr" anchorCtr="0">
+            <a:noAutofit/>
+          </a:bodyPr>
+          <a:lstStyle/>
+          <a:p>
+            <a:pPr>
+              <a:buClr>
+                <a:srgbClr val="000000"/>
+              </a:buClr>
+              <a:buSzPct val="25000"/>
+            </a:pPr>
+            <a:r>
+              <a:rPr lang="en-US" sz="2800" b="1" dirty="0"/>
+              <a:t>Methods</a:t>
+            </a:r>
+          </a:p>
+        </p:txBody>
+      </p:sp>
+      <p:sp>
+        <p:nvSpPr>
+          <p:cNvPr id="67" name="Shape 132"/>
+          <p:cNvSpPr txBox="1"/>
+          <p:nvPr/>
+        </p:nvSpPr>
+        <p:spPr>
+          <a:xfrm>
+            <a:off x="8925993" y="11265804"/>
+            <a:ext cx="7865434" cy="2120662"/>
+          </a:xfrm>
+          <a:prstGeom prst="rect">
+            <a:avLst/>
+          </a:prstGeom>
+          <a:noFill/>
+          <a:ln>
+            <a:noFill/>
+          </a:ln>
+        </p:spPr>
+        <p:txBody>
+          <a:bodyPr lIns="133350" tIns="133350" rIns="133350" bIns="133350" anchor="t" anchorCtr="0">
+            <a:noAutofit/>
+          </a:bodyPr>
+          <a:lstStyle/>
+          <a:p>
+            <a:pPr>
+              <a:buClr>
+                <a:srgbClr val="000000"/>
+              </a:buClr>
+              <a:buSzPct val="25000"/>
+            </a:pPr>
+            <a:r>
+              <a:rPr lang="en-US" sz="1867" dirty="0"/>
+              <a:t>Training has been done on 200 days of 2019 Netflix stock data combined with Google trends data from the search string ‘</a:t>
+            </a:r>
+            <a:r>
+              <a:rPr lang="en-US" sz="1867" dirty="0" err="1"/>
+              <a:t>Stockmarket</a:t>
+            </a:r>
+            <a:r>
+              <a:rPr lang="en-US" sz="1867" dirty="0"/>
+              <a:t> crash’ from the same time period.</a:t>
             </a:r>
           </a:p>
           <a:p>
@@ -10259,7 +10666,99 @@
             </a:pPr>
             <a:r>
               <a:rPr lang="en-US" sz="1867" dirty="0"/>
-              <a:t>Secondly,  the  agent  has  been  trained  on  fused  images  of the  stock  data  and  trends  data  via  a CNN instead of training on raw data.</a:t>
+              <a:t>Testing has been done on subsequent 7 days of the 2019 dataset.</a:t>
+            </a:r>
+          </a:p>
+        </p:txBody>
+      </p:sp>
+      <p:sp>
+        <p:nvSpPr>
+          <p:cNvPr id="68" name="Shape 133"/>
+          <p:cNvSpPr txBox="1"/>
+          <p:nvPr/>
+        </p:nvSpPr>
+        <p:spPr>
+          <a:xfrm>
+            <a:off x="9022375" y="10849629"/>
+            <a:ext cx="7917349" cy="430674"/>
+          </a:xfrm>
+          <a:prstGeom prst="rect">
+            <a:avLst/>
+          </a:prstGeom>
+          <a:noFill/>
+          <a:ln>
+            <a:noFill/>
+          </a:ln>
+        </p:spPr>
+        <p:txBody>
+          <a:bodyPr lIns="53331" tIns="53331" rIns="53331" bIns="53331" anchor="ctr" anchorCtr="0">
+            <a:noAutofit/>
+          </a:bodyPr>
+          <a:lstStyle/>
+          <a:p>
+            <a:pPr>
+              <a:buClr>
+                <a:srgbClr val="000000"/>
+              </a:buClr>
+              <a:buSzPct val="25000"/>
+            </a:pPr>
+            <a:r>
+              <a:rPr lang="en-US" sz="2800" b="1" dirty="0"/>
+              <a:t>Results</a:t>
+            </a:r>
+          </a:p>
+        </p:txBody>
+      </p:sp>
+      <p:sp>
+        <p:nvSpPr>
+          <p:cNvPr id="79" name="Shape 132"/>
+          <p:cNvSpPr txBox="1"/>
+          <p:nvPr/>
+        </p:nvSpPr>
+        <p:spPr>
+          <a:xfrm>
+            <a:off x="17343867" y="9550308"/>
+            <a:ext cx="7741827" cy="2767242"/>
+          </a:xfrm>
+          <a:prstGeom prst="rect">
+            <a:avLst/>
+          </a:prstGeom>
+          <a:noFill/>
+          <a:ln>
+            <a:noFill/>
+          </a:ln>
+        </p:spPr>
+        <p:txBody>
+          <a:bodyPr lIns="133350" tIns="133350" rIns="133350" bIns="133350" anchor="t" anchorCtr="0">
+            <a:noAutofit/>
+          </a:bodyPr>
+          <a:lstStyle/>
+          <a:p>
+            <a:pPr>
+              <a:buClr>
+                <a:srgbClr val="000000"/>
+              </a:buClr>
+              <a:buSzPct val="25000"/>
+            </a:pPr>
+            <a:r>
+              <a:rPr lang="en-US" sz="1867" dirty="0"/>
+              <a:t>For this specific dataset, the agent makes positive returns on one stock as shown in </a:t>
+            </a:r>
+            <a:r>
+              <a:rPr lang="en-US" sz="1867" b="1" dirty="0"/>
+              <a:t>Figure 2. </a:t>
+            </a:r>
+            <a:r>
+              <a:rPr lang="en-US" sz="1867" dirty="0"/>
+              <a:t>As shown in </a:t>
+            </a:r>
+            <a:r>
+              <a:rPr lang="en-US" sz="1867" b="1" dirty="0"/>
+              <a:t>Figure 3</a:t>
+            </a:r>
+            <a:r>
+              <a:rPr lang="en-US" sz="1867" dirty="0"/>
+              <a:t>, the blue line represents the correlation between stock and trend data for the same dataset.</a:t>
             </a:r>
           </a:p>
           <a:p>
@@ -10279,22 +10778,36 @@
               <a:buSzPct val="25000"/>
             </a:pPr>
             <a:r>
-              <a:rPr lang="en-US" sz="1867" b="1" dirty="0"/>
-              <a:t>State</a:t>
-            </a:r>
-            <a:r>
               <a:rPr lang="en-US" sz="1867" dirty="0"/>
-              <a:t> </a:t>
-            </a:r>
-            <a:r>
-              <a:rPr lang="en-US" sz="1867" b="1" dirty="0"/>
-              <a:t>s</a:t>
-            </a:r>
-            <a:r>
-              <a:rPr lang="en-US" sz="1867" dirty="0"/>
-              <a:t>: image = Image of the last 16 days of the stock market</a:t>
-            </a:r>
-          </a:p>
+              <a:t>From further experimentation, we have noticed that correlation graphs between stock and trends data suggest that low correlation results in more negative trades than positive. High correlation between the data sets suggest that the agent is able to successfully make majority positive trades.</a:t>
+            </a:r>
+          </a:p>
+        </p:txBody>
+      </p:sp>
+      <p:sp>
+        <p:nvSpPr>
+          <p:cNvPr id="80" name="Shape 133"/>
+          <p:cNvSpPr txBox="1"/>
+          <p:nvPr/>
+        </p:nvSpPr>
+        <p:spPr>
+          <a:xfrm>
+            <a:off x="17297274" y="9119634"/>
+            <a:ext cx="7917349" cy="430674"/>
+          </a:xfrm>
+          <a:prstGeom prst="rect">
+            <a:avLst/>
+          </a:prstGeom>
+          <a:noFill/>
+          <a:ln>
+            <a:noFill/>
+          </a:ln>
+        </p:spPr>
+        <p:txBody>
+          <a:bodyPr lIns="53331" tIns="53331" rIns="53331" bIns="53331" anchor="ctr" anchorCtr="0">
+            <a:noAutofit/>
+          </a:bodyPr>
+          <a:lstStyle/>
           <a:p>
             <a:pPr>
               <a:buClr>
@@ -10303,22 +10816,36 @@
               <a:buSzPct val="25000"/>
             </a:pPr>
             <a:r>
-              <a:rPr lang="en-US" sz="1867" b="1" dirty="0"/>
-              <a:t>Action</a:t>
-            </a:r>
-            <a:r>
-              <a:rPr lang="en-US" sz="1867" dirty="0"/>
-              <a:t> </a:t>
-            </a:r>
-            <a:r>
-              <a:rPr lang="en-US" sz="1867" b="1" dirty="0"/>
-              <a:t>a</a:t>
-            </a:r>
-            <a:r>
-              <a:rPr lang="en-US" sz="1867" dirty="0"/>
-              <a:t>: Buy, sell or hold</a:t>
-            </a:r>
-          </a:p>
+              <a:rPr lang="en-US" sz="2800" b="1" dirty="0"/>
+              <a:t>Summary</a:t>
+            </a:r>
+          </a:p>
+        </p:txBody>
+      </p:sp>
+      <p:sp>
+        <p:nvSpPr>
+          <p:cNvPr id="81" name="Shape 132"/>
+          <p:cNvSpPr txBox="1"/>
+          <p:nvPr/>
+        </p:nvSpPr>
+        <p:spPr>
+          <a:xfrm>
+            <a:off x="17270644" y="12764339"/>
+            <a:ext cx="7824162" cy="2004904"/>
+          </a:xfrm>
+          <a:prstGeom prst="rect">
+            <a:avLst/>
+          </a:prstGeom>
+          <a:noFill/>
+          <a:ln>
+            <a:noFill/>
+          </a:ln>
+        </p:spPr>
+        <p:txBody>
+          <a:bodyPr lIns="133350" tIns="133350" rIns="133350" bIns="133350" anchor="t" anchorCtr="0">
+            <a:noAutofit/>
+          </a:bodyPr>
+          <a:lstStyle/>
           <a:p>
             <a:pPr>
               <a:buClr>
@@ -10327,33 +10854,21 @@
               <a:buSzPct val="25000"/>
             </a:pPr>
             <a:r>
-              <a:rPr lang="en-US" sz="1867" b="1" dirty="0"/>
-              <a:t>Reward</a:t>
-            </a:r>
-            <a:r>
               <a:rPr lang="en-US" sz="1867" dirty="0"/>
-              <a:t> </a:t>
-            </a:r>
-            <a:r>
-              <a:rPr lang="en-US" sz="1867" b="1" dirty="0"/>
-              <a:t>r</a:t>
-            </a:r>
-            <a:r>
-              <a:rPr lang="en-US" sz="1867" dirty="0"/>
-              <a:t>: Difference in close price for the 2 consecutive days x holdings</a:t>
-            </a:r>
-          </a:p>
-        </p:txBody>
-      </p:sp>
-      <p:sp>
-        <p:nvSpPr>
-          <p:cNvPr id="63" name="Shape 133"/>
+              <a:t>This project showcases two things. Firstly, that its possible to train a RL agent to make successful trades in a model free financial market using image data. Secondly, that social media, Google in particular, does have correlation with stock prices that can be exploited to make meaningful predictions as long as they're being guided by domain knowledge.</a:t>
+            </a:r>
+          </a:p>
+        </p:txBody>
+      </p:sp>
+      <p:sp>
+        <p:nvSpPr>
+          <p:cNvPr id="82" name="Shape 133"/>
           <p:cNvSpPr txBox="1"/>
           <p:nvPr/>
         </p:nvSpPr>
         <p:spPr>
           <a:xfrm>
-            <a:off x="720979" y="12029637"/>
+            <a:off x="17270644" y="12398231"/>
             <a:ext cx="7917349" cy="430674"/>
           </a:xfrm>
           <a:prstGeom prst="rect">
@@ -10378,21 +10893,21 @@
             </a:pPr>
             <a:r>
               <a:rPr lang="en-US" sz="2800" b="1" dirty="0"/>
-              <a:t>Problem Description</a:t>
-            </a:r>
-          </a:p>
-        </p:txBody>
-      </p:sp>
-      <p:sp>
-        <p:nvSpPr>
-          <p:cNvPr id="64" name="Shape 132"/>
+              <a:t>Conclusion</a:t>
+            </a:r>
+          </a:p>
+        </p:txBody>
+      </p:sp>
+      <p:sp>
+        <p:nvSpPr>
+          <p:cNvPr id="83" name="Shape 132"/>
           <p:cNvSpPr txBox="1"/>
           <p:nvPr/>
         </p:nvSpPr>
         <p:spPr>
           <a:xfrm>
-            <a:off x="8926123" y="3896220"/>
-            <a:ext cx="7865304" cy="6451350"/>
+            <a:off x="17282504" y="15206000"/>
+            <a:ext cx="7824162" cy="3387536"/>
           </a:xfrm>
           <a:prstGeom prst="rect">
             <a:avLst/>
@@ -10415,8 +10930,52 @@
               <a:buSzPct val="25000"/>
             </a:pPr>
             <a:r>
+              <a:rPr lang="en-US" sz="1867" dirty="0" err="1"/>
+              <a:t>Zhuoran</a:t>
+            </a:r>
+            <a:r>
               <a:rPr lang="en-US" sz="1867" dirty="0"/>
-              <a:t>Q learning has been used to approximate the Quality value (q value) of each state, action pair, which is a metric to evaluate how good a specific state, action pair is relative to others.</a:t>
+              <a:t> </a:t>
+            </a:r>
+            <a:r>
+              <a:rPr lang="en-US" sz="1867" dirty="0" err="1"/>
+              <a:t>Xiong</a:t>
+            </a:r>
+            <a:r>
+              <a:rPr lang="en-US" sz="1867" dirty="0"/>
+              <a:t>, Xiao-Yang Liu, Shan Zhong, </a:t>
+            </a:r>
+            <a:r>
+              <a:rPr lang="en-US" sz="1867" dirty="0" err="1"/>
+              <a:t>Hongyang</a:t>
+            </a:r>
+            <a:r>
+              <a:rPr lang="en-US" sz="1867" dirty="0"/>
+              <a:t> (Bruce) </a:t>
+            </a:r>
+            <a:r>
+              <a:rPr lang="en-US" sz="1867" dirty="0" err="1"/>
+              <a:t>Yangand</a:t>
+            </a:r>
+            <a:r>
+              <a:rPr lang="en-US" sz="1867" dirty="0"/>
+              <a:t>  Anwar  Walid,  “Practical  Deep  Reinforcement  Learning  </a:t>
+            </a:r>
+            <a:r>
+              <a:rPr lang="en-US" sz="1867" dirty="0" err="1"/>
+              <a:t>Approachfor</a:t>
+            </a:r>
+            <a:r>
+              <a:rPr lang="en-US" sz="1867" dirty="0"/>
+              <a:t> Stock Trading,” </a:t>
+            </a:r>
+            <a:r>
+              <a:rPr lang="en-US" sz="1867" dirty="0" err="1"/>
+              <a:t>CoRR</a:t>
+            </a:r>
+            <a:r>
+              <a:rPr lang="en-US" sz="1867" dirty="0"/>
+              <a:t>, abs/1811.07522, 2018</a:t>
             </a:r>
           </a:p>
           <a:p>
@@ -10436,8 +10995,52 @@
               <a:buSzPct val="25000"/>
             </a:pPr>
             <a:r>
+              <a:rPr lang="en-US" sz="1867" dirty="0" err="1"/>
+              <a:t>Zhipeng</a:t>
+            </a:r>
+            <a:r>
               <a:rPr lang="en-US" sz="1867" dirty="0"/>
-              <a:t>This  method  approximates  the  Quality  value  (q  value)  of each state, action pair, which is a metric to evaluate how good a  specific  state,  action  pair  is  relative  to  others.  It  takes  into account future estimated reward and immediate reward based on  the  action  it  took,  to  compute  the  q  value.  Experience Replay  and  Batch  sampling  has  also  been  implemented  tor educe  correlation  between  input  states  and  ensure  a  better learning process.</a:t>
+              <a:t>  Liang,  Hao  Chen,  </a:t>
+            </a:r>
+            <a:r>
+              <a:rPr lang="en-US" sz="1867" dirty="0" err="1"/>
+              <a:t>Junhao</a:t>
+            </a:r>
+            <a:r>
+              <a:rPr lang="en-US" sz="1867" dirty="0"/>
+              <a:t>  Zhu,  </a:t>
+            </a:r>
+            <a:r>
+              <a:rPr lang="en-US" sz="1867" dirty="0" err="1"/>
+              <a:t>Kangkang</a:t>
+            </a:r>
+            <a:r>
+              <a:rPr lang="en-US" sz="1867" dirty="0"/>
+              <a:t>  Jiang,  </a:t>
+            </a:r>
+            <a:r>
+              <a:rPr lang="en-US" sz="1867" dirty="0" err="1"/>
+              <a:t>Yanran</a:t>
+            </a:r>
+            <a:r>
+              <a:rPr lang="en-US" sz="1867" dirty="0"/>
+              <a:t>  </a:t>
+            </a:r>
+            <a:r>
+              <a:rPr lang="en-US" sz="1867" dirty="0" err="1"/>
+              <a:t>Li,“Adversarial</a:t>
+            </a:r>
+            <a:r>
+              <a:rPr lang="en-US" sz="1867" dirty="0"/>
+              <a:t>  Deep  Reinforcement  Learning  in  Portfolio  Management,”</a:t>
+            </a:r>
+            <a:r>
+              <a:rPr lang="en-US" sz="1867" dirty="0" err="1"/>
+              <a:t>CoRR</a:t>
+            </a:r>
+            <a:r>
+              <a:rPr lang="en-US" sz="1867" dirty="0"/>
+              <a:t>, abs/1808.09940v3, 2018</a:t>
             </a:r>
           </a:p>
           <a:p>
@@ -10458,23 +11061,7 @@
             </a:pPr>
             <a:r>
               <a:rPr lang="en-US" sz="1867" dirty="0"/>
-              <a:t>A CNN (</a:t>
-            </a:r>
-            <a:r>
-              <a:rPr lang="en-US" sz="1867" b="1" dirty="0"/>
-              <a:t>Figure 4)</a:t>
-            </a:r>
-            <a:r>
-              <a:rPr lang="en-US" sz="1867" dirty="0"/>
-              <a:t> has been used to process and train on the state. The state is a fused representation of the two images. A representation of the stock image is shown in </a:t>
-            </a:r>
-            <a:r>
-              <a:rPr lang="en-US" sz="1867" b="1" dirty="0"/>
-              <a:t>Figure 1</a:t>
-            </a:r>
-            <a:r>
-              <a:rPr lang="en-US" sz="1867" dirty="0"/>
-              <a:t>.</a:t>
+              <a:t>Reference for CNN implementation in DQN:</a:t>
             </a:r>
           </a:p>
           <a:p>
@@ -10484,507 +11071,6 @@
               </a:buClr>
               <a:buSzPct val="25000"/>
             </a:pPr>
-            <a:endParaRPr lang="en-US" sz="1867" dirty="0"/>
-          </a:p>
-          <a:p>
-            <a:pPr>
-              <a:buClr>
-                <a:srgbClr val="000000"/>
-              </a:buClr>
-              <a:buSzPct val="25000"/>
-            </a:pPr>
-            <a:r>
-              <a:rPr lang="en-US" sz="1867" dirty="0"/>
-              <a:t>A Convolutional Neural Network (CNN) is a Learning  architecture  specifically  designed  for  images. CNNs take  advantage  of  the  hierarchical  pattern  in  data  and assemble  more  complex  patterns  using  smaller  and  simpler patterns. They learn weights and biases to assign importance to  the  relevant  features  in  the  image.  It  has  been  essential in this project to be able to train on images of the stock market.</a:t>
-            </a:r>
-          </a:p>
-        </p:txBody>
-      </p:sp>
-      <p:sp>
-        <p:nvSpPr>
-          <p:cNvPr id="65" name="Shape 133"/>
-          <p:cNvSpPr txBox="1"/>
-          <p:nvPr/>
-        </p:nvSpPr>
-        <p:spPr>
-          <a:xfrm>
-            <a:off x="8936972" y="3396249"/>
-            <a:ext cx="7917349" cy="430674"/>
-          </a:xfrm>
-          <a:prstGeom prst="rect">
-            <a:avLst/>
-          </a:prstGeom>
-          <a:noFill/>
-          <a:ln>
-            <a:noFill/>
-          </a:ln>
-        </p:spPr>
-        <p:txBody>
-          <a:bodyPr lIns="53331" tIns="53331" rIns="53331" bIns="53331" anchor="ctr" anchorCtr="0">
-            <a:noAutofit/>
-          </a:bodyPr>
-          <a:lstStyle/>
-          <a:p>
-            <a:pPr>
-              <a:buClr>
-                <a:srgbClr val="000000"/>
-              </a:buClr>
-              <a:buSzPct val="25000"/>
-            </a:pPr>
-            <a:r>
-              <a:rPr lang="en-US" sz="2800" b="1"/>
-              <a:t>Methods</a:t>
-            </a:r>
-            <a:endParaRPr lang="en-US" sz="2800" b="1" dirty="0"/>
-          </a:p>
-        </p:txBody>
-      </p:sp>
-      <p:sp>
-        <p:nvSpPr>
-          <p:cNvPr id="67" name="Shape 132"/>
-          <p:cNvSpPr txBox="1"/>
-          <p:nvPr/>
-        </p:nvSpPr>
-        <p:spPr>
-          <a:xfrm>
-            <a:off x="8925993" y="11265804"/>
-            <a:ext cx="7865434" cy="2120662"/>
-          </a:xfrm>
-          <a:prstGeom prst="rect">
-            <a:avLst/>
-          </a:prstGeom>
-          <a:noFill/>
-          <a:ln>
-            <a:noFill/>
-          </a:ln>
-        </p:spPr>
-        <p:txBody>
-          <a:bodyPr lIns="133350" tIns="133350" rIns="133350" bIns="133350" anchor="t" anchorCtr="0">
-            <a:noAutofit/>
-          </a:bodyPr>
-          <a:lstStyle/>
-          <a:p>
-            <a:pPr>
-              <a:buClr>
-                <a:srgbClr val="000000"/>
-              </a:buClr>
-              <a:buSzPct val="25000"/>
-            </a:pPr>
-            <a:r>
-              <a:rPr lang="en-US" sz="1867" dirty="0"/>
-              <a:t>Training has been done on 200 days of 2018 stock data of S&amp;P500 combined with Google trends data from the search string '</a:t>
-            </a:r>
-            <a:r>
-              <a:rPr lang="en-US" sz="1867" dirty="0" err="1"/>
-              <a:t>Stockmarket</a:t>
-            </a:r>
-            <a:r>
-              <a:rPr lang="en-US" sz="1867" dirty="0"/>
-              <a:t> crash’.</a:t>
-            </a:r>
-          </a:p>
-          <a:p>
-            <a:pPr>
-              <a:buClr>
-                <a:srgbClr val="000000"/>
-              </a:buClr>
-              <a:buSzPct val="25000"/>
-            </a:pPr>
-            <a:endParaRPr lang="en-US" sz="1867" dirty="0"/>
-          </a:p>
-          <a:p>
-            <a:pPr>
-              <a:buClr>
-                <a:srgbClr val="000000"/>
-              </a:buClr>
-              <a:buSzPct val="25000"/>
-            </a:pPr>
-            <a:r>
-              <a:rPr lang="en-US" sz="1867" dirty="0"/>
-              <a:t>Testing has been done on 20 days of 2019 stock data of S&amp;P500 combined with Google trends data from the search string '</a:t>
-            </a:r>
-            <a:r>
-              <a:rPr lang="en-US" sz="1867" dirty="0" err="1"/>
-              <a:t>Stockmarket</a:t>
-            </a:r>
-            <a:r>
-              <a:rPr lang="en-US" sz="1867" dirty="0"/>
-              <a:t> crash' (</a:t>
-            </a:r>
-            <a:r>
-              <a:rPr lang="en-US" sz="1867" b="1" dirty="0"/>
-              <a:t>Figure 3</a:t>
-            </a:r>
-            <a:r>
-              <a:rPr lang="en-US" sz="1867" dirty="0"/>
-              <a:t>).</a:t>
-            </a:r>
-          </a:p>
-        </p:txBody>
-      </p:sp>
-      <p:sp>
-        <p:nvSpPr>
-          <p:cNvPr id="68" name="Shape 133"/>
-          <p:cNvSpPr txBox="1"/>
-          <p:nvPr/>
-        </p:nvSpPr>
-        <p:spPr>
-          <a:xfrm>
-            <a:off x="8936972" y="10591350"/>
-            <a:ext cx="7917349" cy="430674"/>
-          </a:xfrm>
-          <a:prstGeom prst="rect">
-            <a:avLst/>
-          </a:prstGeom>
-          <a:noFill/>
-          <a:ln>
-            <a:noFill/>
-          </a:ln>
-        </p:spPr>
-        <p:txBody>
-          <a:bodyPr lIns="53331" tIns="53331" rIns="53331" bIns="53331" anchor="ctr" anchorCtr="0">
-            <a:noAutofit/>
-          </a:bodyPr>
-          <a:lstStyle/>
-          <a:p>
-            <a:pPr>
-              <a:buClr>
-                <a:srgbClr val="000000"/>
-              </a:buClr>
-              <a:buSzPct val="25000"/>
-            </a:pPr>
-            <a:r>
-              <a:rPr lang="en-US" sz="2800" b="1" dirty="0"/>
-              <a:t>Results</a:t>
-            </a:r>
-          </a:p>
-        </p:txBody>
-      </p:sp>
-      <p:sp>
-        <p:nvSpPr>
-          <p:cNvPr id="79" name="Shape 132"/>
-          <p:cNvSpPr txBox="1"/>
-          <p:nvPr/>
-        </p:nvSpPr>
-        <p:spPr>
-          <a:xfrm>
-            <a:off x="17318364" y="9592834"/>
-            <a:ext cx="7741827" cy="1672970"/>
-          </a:xfrm>
-          <a:prstGeom prst="rect">
-            <a:avLst/>
-          </a:prstGeom>
-          <a:noFill/>
-          <a:ln>
-            <a:noFill/>
-          </a:ln>
-        </p:spPr>
-        <p:txBody>
-          <a:bodyPr lIns="133350" tIns="133350" rIns="133350" bIns="133350" anchor="t" anchorCtr="0">
-            <a:noAutofit/>
-          </a:bodyPr>
-          <a:lstStyle/>
-          <a:p>
-            <a:pPr>
-              <a:buClr>
-                <a:srgbClr val="000000"/>
-              </a:buClr>
-              <a:buSzPct val="25000"/>
-            </a:pPr>
-            <a:r>
-              <a:rPr lang="en-US" sz="1867" dirty="0"/>
-              <a:t>The proposed algorithm is able to train on time series data represented as graphs/images and is able to learn better actions over time. The algorithm still needs further testing on different kinds of trends of data. The scope of this work was limited to two companies.</a:t>
-            </a:r>
-          </a:p>
-        </p:txBody>
-      </p:sp>
-      <p:sp>
-        <p:nvSpPr>
-          <p:cNvPr id="80" name="Shape 133"/>
-          <p:cNvSpPr txBox="1"/>
-          <p:nvPr/>
-        </p:nvSpPr>
-        <p:spPr>
-          <a:xfrm>
-            <a:off x="17297274" y="9038953"/>
-            <a:ext cx="7917349" cy="430674"/>
-          </a:xfrm>
-          <a:prstGeom prst="rect">
-            <a:avLst/>
-          </a:prstGeom>
-          <a:noFill/>
-          <a:ln>
-            <a:noFill/>
-          </a:ln>
-        </p:spPr>
-        <p:txBody>
-          <a:bodyPr lIns="53331" tIns="53331" rIns="53331" bIns="53331" anchor="ctr" anchorCtr="0">
-            <a:noAutofit/>
-          </a:bodyPr>
-          <a:lstStyle/>
-          <a:p>
-            <a:pPr>
-              <a:buClr>
-                <a:srgbClr val="000000"/>
-              </a:buClr>
-              <a:buSzPct val="25000"/>
-            </a:pPr>
-            <a:r>
-              <a:rPr lang="en-US" sz="2800" b="1" dirty="0"/>
-              <a:t>Conclusion</a:t>
-            </a:r>
-          </a:p>
-        </p:txBody>
-      </p:sp>
-      <p:sp>
-        <p:nvSpPr>
-          <p:cNvPr id="81" name="Shape 132"/>
-          <p:cNvSpPr txBox="1"/>
-          <p:nvPr/>
-        </p:nvSpPr>
-        <p:spPr>
-          <a:xfrm>
-            <a:off x="17343867" y="11776071"/>
-            <a:ext cx="7824162" cy="2376371"/>
-          </a:xfrm>
-          <a:prstGeom prst="rect">
-            <a:avLst/>
-          </a:prstGeom>
-          <a:noFill/>
-          <a:ln>
-            <a:noFill/>
-          </a:ln>
-        </p:spPr>
-        <p:txBody>
-          <a:bodyPr lIns="133350" tIns="133350" rIns="133350" bIns="133350" anchor="t" anchorCtr="0">
-            <a:noAutofit/>
-          </a:bodyPr>
-          <a:lstStyle/>
-          <a:p>
-            <a:pPr>
-              <a:buClr>
-                <a:srgbClr val="000000"/>
-              </a:buClr>
-              <a:buSzPct val="25000"/>
-            </a:pPr>
-            <a:r>
-              <a:rPr lang="en-US" sz="1867" dirty="0"/>
-              <a:t>This work is a rough outline of how one would go about training a Reinforcement Learning Agent to essentially predict the stock market by using graphs. However, it has plenty of scope for improvement. One of the major things to be considered is the reward structure. Testing with other reward structures have shown promising results. Finding a better representation of the stock data such that there is minimal information loss while shrinking the image would also help In much better training.</a:t>
-            </a:r>
-          </a:p>
-        </p:txBody>
-      </p:sp>
-      <p:sp>
-        <p:nvSpPr>
-          <p:cNvPr id="82" name="Shape 133"/>
-          <p:cNvSpPr txBox="1"/>
-          <p:nvPr/>
-        </p:nvSpPr>
-        <p:spPr>
-          <a:xfrm>
-            <a:off x="17297274" y="11173674"/>
-            <a:ext cx="7917349" cy="430674"/>
-          </a:xfrm>
-          <a:prstGeom prst="rect">
-            <a:avLst/>
-          </a:prstGeom>
-          <a:noFill/>
-          <a:ln>
-            <a:noFill/>
-          </a:ln>
-        </p:spPr>
-        <p:txBody>
-          <a:bodyPr lIns="53331" tIns="53331" rIns="53331" bIns="53331" anchor="ctr" anchorCtr="0">
-            <a:noAutofit/>
-          </a:bodyPr>
-          <a:lstStyle/>
-          <a:p>
-            <a:pPr>
-              <a:buClr>
-                <a:srgbClr val="000000"/>
-              </a:buClr>
-              <a:buSzPct val="25000"/>
-            </a:pPr>
-            <a:r>
-              <a:rPr lang="en-US" sz="2800" b="1" dirty="0"/>
-              <a:t>Future Work</a:t>
-            </a:r>
-          </a:p>
-        </p:txBody>
-      </p:sp>
-      <p:sp>
-        <p:nvSpPr>
-          <p:cNvPr id="83" name="Shape 132"/>
-          <p:cNvSpPr txBox="1"/>
-          <p:nvPr/>
-        </p:nvSpPr>
-        <p:spPr>
-          <a:xfrm>
-            <a:off x="17297274" y="14943863"/>
-            <a:ext cx="7824162" cy="3387536"/>
-          </a:xfrm>
-          <a:prstGeom prst="rect">
-            <a:avLst/>
-          </a:prstGeom>
-          <a:noFill/>
-          <a:ln>
-            <a:noFill/>
-          </a:ln>
-        </p:spPr>
-        <p:txBody>
-          <a:bodyPr lIns="133350" tIns="133350" rIns="133350" bIns="133350" anchor="t" anchorCtr="0">
-            <a:noAutofit/>
-          </a:bodyPr>
-          <a:lstStyle/>
-          <a:p>
-            <a:pPr>
-              <a:buClr>
-                <a:srgbClr val="000000"/>
-              </a:buClr>
-              <a:buSzPct val="25000"/>
-            </a:pPr>
-            <a:r>
-              <a:rPr lang="en-US" sz="1867" dirty="0" err="1"/>
-              <a:t>Zhuoran</a:t>
-            </a:r>
-            <a:r>
-              <a:rPr lang="en-US" sz="1867" dirty="0"/>
-              <a:t> </a:t>
-            </a:r>
-            <a:r>
-              <a:rPr lang="en-US" sz="1867" dirty="0" err="1"/>
-              <a:t>Xiong</a:t>
-            </a:r>
-            <a:r>
-              <a:rPr lang="en-US" sz="1867" dirty="0"/>
-              <a:t>, Xiao-Yang Liu, Shan Zhong, </a:t>
-            </a:r>
-            <a:r>
-              <a:rPr lang="en-US" sz="1867" dirty="0" err="1"/>
-              <a:t>Hongyang</a:t>
-            </a:r>
-            <a:r>
-              <a:rPr lang="en-US" sz="1867" dirty="0"/>
-              <a:t> (Bruce) </a:t>
-            </a:r>
-            <a:r>
-              <a:rPr lang="en-US" sz="1867" dirty="0" err="1"/>
-              <a:t>Yangand</a:t>
-            </a:r>
-            <a:r>
-              <a:rPr lang="en-US" sz="1867" dirty="0"/>
-              <a:t>  Anwar  Walid,  “Practical  Deep  Reinforcement  Learning  </a:t>
-            </a:r>
-            <a:r>
-              <a:rPr lang="en-US" sz="1867" dirty="0" err="1"/>
-              <a:t>Approachfor</a:t>
-            </a:r>
-            <a:r>
-              <a:rPr lang="en-US" sz="1867" dirty="0"/>
-              <a:t> Stock Trading,” </a:t>
-            </a:r>
-            <a:r>
-              <a:rPr lang="en-US" sz="1867" dirty="0" err="1"/>
-              <a:t>CoRR</a:t>
-            </a:r>
-            <a:r>
-              <a:rPr lang="en-US" sz="1867" dirty="0"/>
-              <a:t>, abs/1811.07522, 2018</a:t>
-            </a:r>
-          </a:p>
-          <a:p>
-            <a:pPr>
-              <a:buClr>
-                <a:srgbClr val="000000"/>
-              </a:buClr>
-              <a:buSzPct val="25000"/>
-            </a:pPr>
-            <a:endParaRPr lang="en-US" sz="1867" dirty="0"/>
-          </a:p>
-          <a:p>
-            <a:pPr>
-              <a:buClr>
-                <a:srgbClr val="000000"/>
-              </a:buClr>
-              <a:buSzPct val="25000"/>
-            </a:pPr>
-            <a:r>
-              <a:rPr lang="en-US" sz="1867" dirty="0" err="1"/>
-              <a:t>Zhipeng</a:t>
-            </a:r>
-            <a:r>
-              <a:rPr lang="en-US" sz="1867" dirty="0"/>
-              <a:t>  Liang,  Hao  Chen,  </a:t>
-            </a:r>
-            <a:r>
-              <a:rPr lang="en-US" sz="1867" dirty="0" err="1"/>
-              <a:t>Junhao</a:t>
-            </a:r>
-            <a:r>
-              <a:rPr lang="en-US" sz="1867" dirty="0"/>
-              <a:t>  Zhu,  </a:t>
-            </a:r>
-            <a:r>
-              <a:rPr lang="en-US" sz="1867" dirty="0" err="1"/>
-              <a:t>Kangkang</a:t>
-            </a:r>
-            <a:r>
-              <a:rPr lang="en-US" sz="1867" dirty="0"/>
-              <a:t>  Jiang,  </a:t>
-            </a:r>
-            <a:r>
-              <a:rPr lang="en-US" sz="1867" dirty="0" err="1"/>
-              <a:t>Yanran</a:t>
-            </a:r>
-            <a:r>
-              <a:rPr lang="en-US" sz="1867" dirty="0"/>
-              <a:t>  </a:t>
-            </a:r>
-            <a:r>
-              <a:rPr lang="en-US" sz="1867" dirty="0" err="1"/>
-              <a:t>Li,“Adversarial</a:t>
-            </a:r>
-            <a:r>
-              <a:rPr lang="en-US" sz="1867" dirty="0"/>
-              <a:t>  Deep  Reinforcement  Learning  in  Portfolio  Management,”</a:t>
-            </a:r>
-            <a:r>
-              <a:rPr lang="en-US" sz="1867" dirty="0" err="1"/>
-              <a:t>CoRR</a:t>
-            </a:r>
-            <a:r>
-              <a:rPr lang="en-US" sz="1867" dirty="0"/>
-              <a:t>, abs/1808.09940v3, 2018</a:t>
-            </a:r>
-          </a:p>
-          <a:p>
-            <a:pPr>
-              <a:buClr>
-                <a:srgbClr val="000000"/>
-              </a:buClr>
-              <a:buSzPct val="25000"/>
-            </a:pPr>
-            <a:endParaRPr lang="en-US" sz="1867" dirty="0"/>
-          </a:p>
-          <a:p>
-            <a:pPr>
-              <a:buClr>
-                <a:srgbClr val="000000"/>
-              </a:buClr>
-              <a:buSzPct val="25000"/>
-            </a:pPr>
-            <a:r>
-              <a:rPr lang="en-US" sz="1867" dirty="0"/>
-              <a:t>Reference for CNN implementation in DQN:</a:t>
-            </a:r>
-          </a:p>
-          <a:p>
-            <a:pPr>
-              <a:buClr>
-                <a:srgbClr val="000000"/>
-              </a:buClr>
-              <a:buSzPct val="25000"/>
-            </a:pPr>
             <a:r>
               <a:rPr lang="en-US" sz="1867" dirty="0"/>
               <a:t>https://towardsdatascience.com/atari-reinforcement-learning-in-depth-part-1-ddqn-ceaa762a546f</a:t>
@@ -11000,7 +11086,7 @@
         </p:nvSpPr>
         <p:spPr>
           <a:xfrm>
-            <a:off x="17318364" y="14472662"/>
+            <a:off x="17303594" y="14734799"/>
             <a:ext cx="7917349" cy="430674"/>
           </a:xfrm>
           <a:prstGeom prst="rect">
@@ -11092,86 +11178,6 @@
       </p:pic>
       <p:sp>
         <p:nvSpPr>
-          <p:cNvPr id="57" name="Shape 133">
-            <a:extLst>
-              <a:ext uri="{FF2B5EF4-FFF2-40B4-BE49-F238E27FC236}">
-                <a16:creationId xmlns:a16="http://schemas.microsoft.com/office/drawing/2014/main" id="{BC1ABAF0-7DD5-4855-9E16-ADC254EC1079}"/>
-              </a:ext>
-            </a:extLst>
-          </p:cNvPr>
-          <p:cNvSpPr txBox="1"/>
-          <p:nvPr/>
-        </p:nvSpPr>
-        <p:spPr>
-          <a:xfrm>
-            <a:off x="17260770" y="3383961"/>
-            <a:ext cx="7741828" cy="347706"/>
-          </a:xfrm>
-          <a:prstGeom prst="rect">
-            <a:avLst/>
-          </a:prstGeom>
-          <a:noFill/>
-          <a:ln>
-            <a:noFill/>
-          </a:ln>
-        </p:spPr>
-        <p:txBody>
-          <a:bodyPr lIns="53331" tIns="53331" rIns="53331" bIns="53331" anchor="ctr" anchorCtr="0">
-            <a:noAutofit/>
-          </a:bodyPr>
-          <a:lstStyle/>
-          <a:p>
-            <a:pPr>
-              <a:buClr>
-                <a:srgbClr val="000000"/>
-              </a:buClr>
-              <a:buSzPct val="25000"/>
-            </a:pPr>
-            <a:r>
-              <a:rPr lang="en-US" sz="2800" b="1" dirty="0"/>
-              <a:t>Network</a:t>
-            </a:r>
-          </a:p>
-        </p:txBody>
-      </p:sp>
-      <p:pic>
-        <p:nvPicPr>
-          <p:cNvPr id="24" name="Graphic 23">
-            <a:extLst>
-              <a:ext uri="{FF2B5EF4-FFF2-40B4-BE49-F238E27FC236}">
-                <a16:creationId xmlns:a16="http://schemas.microsoft.com/office/drawing/2014/main" id="{B666AE4B-72DF-4863-BF70-4185DBC2C51B}"/>
-              </a:ext>
-            </a:extLst>
-          </p:cNvPr>
-          <p:cNvPicPr>
-            <a:picLocks noChangeAspect="1"/>
-          </p:cNvPicPr>
-          <p:nvPr/>
-        </p:nvPicPr>
-        <p:blipFill>
-          <a:blip r:embed="rId5">
-            <a:extLst>
-              <a:ext uri="{96DAC541-7B7A-43D3-8B79-37D633B846F1}">
-                <asvg:svgBlip xmlns:asvg="http://schemas.microsoft.com/office/drawing/2016/SVG/main" r:embed="rId6"/>
-              </a:ext>
-            </a:extLst>
-          </a:blip>
-          <a:stretch>
-            <a:fillRect/>
-          </a:stretch>
-        </p:blipFill>
-        <p:spPr>
-          <a:xfrm>
-            <a:off x="11952706" y="2787246"/>
-            <a:ext cx="15939816" cy="6994425"/>
-          </a:xfrm>
-          <a:prstGeom prst="rect">
-            <a:avLst/>
-          </a:prstGeom>
-        </p:spPr>
-      </p:pic>
-      <p:sp>
-        <p:nvSpPr>
           <p:cNvPr id="50" name="Shape 133">
             <a:extLst>
               <a:ext uri="{FF2B5EF4-FFF2-40B4-BE49-F238E27FC236}">
@@ -11184,7 +11190,7 @@
         </p:nvSpPr>
         <p:spPr>
           <a:xfrm>
-            <a:off x="695360" y="11493986"/>
+            <a:off x="637862" y="10052433"/>
             <a:ext cx="7917349" cy="430674"/>
           </a:xfrm>
           <a:prstGeom prst="rect">
@@ -11210,50 +11216,6 @@
             <a:r>
               <a:rPr lang="en-US" sz="1800" b="1" dirty="0"/>
               <a:t>   	Figure 1: Graphical representation of stock Image </a:t>
-            </a:r>
-          </a:p>
-        </p:txBody>
-      </p:sp>
-      <p:sp>
-        <p:nvSpPr>
-          <p:cNvPr id="51" name="Shape 133">
-            <a:extLst>
-              <a:ext uri="{FF2B5EF4-FFF2-40B4-BE49-F238E27FC236}">
-                <a16:creationId xmlns:a16="http://schemas.microsoft.com/office/drawing/2014/main" id="{48513464-608C-47CE-BFDF-A7E2145B42C5}"/>
-              </a:ext>
-            </a:extLst>
-          </p:cNvPr>
-          <p:cNvSpPr txBox="1"/>
-          <p:nvPr/>
-        </p:nvSpPr>
-        <p:spPr>
-          <a:xfrm>
-            <a:off x="17204087" y="8358039"/>
-            <a:ext cx="7917349" cy="430674"/>
-          </a:xfrm>
-          <a:prstGeom prst="rect">
-            <a:avLst/>
-          </a:prstGeom>
-          <a:noFill/>
-          <a:ln>
-            <a:noFill/>
-          </a:ln>
-        </p:spPr>
-        <p:txBody>
-          <a:bodyPr lIns="53331" tIns="53331" rIns="53331" bIns="53331" anchor="ctr" anchorCtr="0">
-            <a:noAutofit/>
-          </a:bodyPr>
-          <a:lstStyle/>
-          <a:p>
-            <a:pPr algn="ctr">
-              <a:buClr>
-                <a:srgbClr val="000000"/>
-              </a:buClr>
-              <a:buSzPct val="25000"/>
-            </a:pPr>
-            <a:r>
-              <a:rPr lang="en-US" sz="1600" b="1" dirty="0"/>
-              <a:t>Figure 4: CNN: 32 (conv) : 64  (conv) : 64 (conv) : 512 (FC) : 3 (actions)</a:t>
             </a:r>
           </a:p>
         </p:txBody>
@@ -11297,41 +11259,11 @@
             </a:pPr>
             <a:r>
               <a:rPr lang="en-US" sz="1800" b="1" dirty="0"/>
-              <a:t>Figure 3: Cumulative Reward vs Days</a:t>
-            </a:r>
-          </a:p>
-        </p:txBody>
-      </p:sp>
-      <p:pic>
-        <p:nvPicPr>
-          <p:cNvPr id="6" name="Picture 5">
-            <a:extLst>
-              <a:ext uri="{FF2B5EF4-FFF2-40B4-BE49-F238E27FC236}">
-                <a16:creationId xmlns:a16="http://schemas.microsoft.com/office/drawing/2014/main" id="{0ADDE1B5-0EA4-48E9-B834-DD95D6CE1A4D}"/>
-              </a:ext>
-            </a:extLst>
-          </p:cNvPr>
-          <p:cNvPicPr>
-            <a:picLocks noChangeAspect="1"/>
-          </p:cNvPicPr>
-          <p:nvPr/>
-        </p:nvPicPr>
-        <p:blipFill>
-          <a:blip r:embed="rId7"/>
-          <a:stretch>
-            <a:fillRect/>
-          </a:stretch>
-        </p:blipFill>
-        <p:spPr>
-          <a:xfrm>
-            <a:off x="9588001" y="13858580"/>
-            <a:ext cx="6426985" cy="3895142"/>
-          </a:xfrm>
-          <a:prstGeom prst="rect">
-            <a:avLst/>
-          </a:prstGeom>
-        </p:spPr>
-      </p:pic>
+              <a:t>Figure 2: Cumulative Reward vs Days</a:t>
+            </a:r>
+          </a:p>
+        </p:txBody>
+      </p:sp>
       <p:pic>
         <p:nvPicPr>
           <p:cNvPr id="8" name="Picture 7">
@@ -11347,21 +11279,133 @@
           <p:nvPr/>
         </p:nvPicPr>
         <p:blipFill>
-          <a:blip r:embed="rId8"/>
+          <a:blip r:embed="rId5"/>
           <a:stretch>
             <a:fillRect/>
           </a:stretch>
         </p:blipFill>
         <p:spPr>
           <a:xfrm>
-            <a:off x="1546623" y="7121895"/>
-            <a:ext cx="5711415" cy="4283561"/>
+            <a:off x="2423460" y="6708279"/>
+            <a:ext cx="4346155" cy="3259616"/>
           </a:xfrm>
           <a:prstGeom prst="rect">
             <a:avLst/>
           </a:prstGeom>
         </p:spPr>
       </p:pic>
+      <p:pic>
+        <p:nvPicPr>
+          <p:cNvPr id="5" name="Picture 4" descr="A close up of a map&#10;&#10;Description automatically generated">
+            <a:extLst>
+              <a:ext uri="{FF2B5EF4-FFF2-40B4-BE49-F238E27FC236}">
+                <a16:creationId xmlns:a16="http://schemas.microsoft.com/office/drawing/2014/main" id="{B6E030AF-A950-48B4-B548-1B6CDC5B5B63}"/>
+              </a:ext>
+            </a:extLst>
+          </p:cNvPr>
+          <p:cNvPicPr>
+            <a:picLocks noChangeAspect="1"/>
+          </p:cNvPicPr>
+          <p:nvPr/>
+        </p:nvPicPr>
+        <p:blipFill>
+          <a:blip r:embed="rId6"/>
+          <a:stretch>
+            <a:fillRect/>
+          </a:stretch>
+        </p:blipFill>
+        <p:spPr>
+          <a:xfrm>
+            <a:off x="9304453" y="13289515"/>
+            <a:ext cx="6994081" cy="4238837"/>
+          </a:xfrm>
+          <a:prstGeom prst="rect">
+            <a:avLst/>
+          </a:prstGeom>
+        </p:spPr>
+      </p:pic>
+      <p:pic>
+        <p:nvPicPr>
+          <p:cNvPr id="9" name="Picture 8" descr="A close up of a map&#10;&#10;Description automatically generated">
+            <a:extLst>
+              <a:ext uri="{FF2B5EF4-FFF2-40B4-BE49-F238E27FC236}">
+                <a16:creationId xmlns:a16="http://schemas.microsoft.com/office/drawing/2014/main" id="{73249BFE-B2BD-45AE-B963-0338C3D894CF}"/>
+              </a:ext>
+            </a:extLst>
+          </p:cNvPr>
+          <p:cNvPicPr>
+            <a:picLocks noChangeAspect="1"/>
+          </p:cNvPicPr>
+          <p:nvPr/>
+        </p:nvPicPr>
+        <p:blipFill>
+          <a:blip r:embed="rId7"/>
+          <a:stretch>
+            <a:fillRect/>
+          </a:stretch>
+        </p:blipFill>
+        <p:spPr>
+          <a:xfrm>
+            <a:off x="18005644" y="3368459"/>
+            <a:ext cx="6367266" cy="4775450"/>
+          </a:xfrm>
+          <a:prstGeom prst="rect">
+            <a:avLst/>
+          </a:prstGeom>
+        </p:spPr>
+      </p:pic>
+      <p:sp>
+        <p:nvSpPr>
+          <p:cNvPr id="56" name="Shape 133">
+            <a:extLst>
+              <a:ext uri="{FF2B5EF4-FFF2-40B4-BE49-F238E27FC236}">
+                <a16:creationId xmlns:a16="http://schemas.microsoft.com/office/drawing/2014/main" id="{D2A89EA0-A6C1-47A0-B494-226B4E8175EC}"/>
+              </a:ext>
+            </a:extLst>
+          </p:cNvPr>
+          <p:cNvSpPr txBox="1"/>
+          <p:nvPr/>
+        </p:nvSpPr>
+        <p:spPr>
+          <a:xfrm>
+            <a:off x="17297274" y="8464129"/>
+            <a:ext cx="7917349" cy="430674"/>
+          </a:xfrm>
+          <a:prstGeom prst="rect">
+            <a:avLst/>
+          </a:prstGeom>
+          <a:noFill/>
+          <a:ln>
+            <a:noFill/>
+          </a:ln>
+        </p:spPr>
+        <p:txBody>
+          <a:bodyPr lIns="53331" tIns="53331" rIns="53331" bIns="53331" anchor="ctr" anchorCtr="0">
+            <a:noAutofit/>
+          </a:bodyPr>
+          <a:lstStyle/>
+          <a:p>
+            <a:pPr algn="ctr">
+              <a:buClr>
+                <a:srgbClr val="000000"/>
+              </a:buClr>
+              <a:buSzPct val="25000"/>
+            </a:pPr>
+            <a:r>
+              <a:rPr lang="en-US" sz="1800" b="1" dirty="0"/>
+              <a:t>Figure 3: Correlation between Netflix and ‘</a:t>
+            </a:r>
+            <a:r>
+              <a:rPr lang="en-US" sz="1800" b="1" dirty="0" err="1"/>
+              <a:t>Stockmarket</a:t>
+            </a:r>
+            <a:r>
+              <a:rPr lang="en-US" sz="1800" b="1" dirty="0"/>
+              <a:t> crash’ dataset</a:t>
+            </a:r>
+          </a:p>
+        </p:txBody>
+      </p:sp>
     </p:spTree>
   </p:cSld>
   <p:clrMapOvr>

--- a/Project/Agnibh_Dasgupta_poster.pptx
+++ b/Project/Agnibh_Dasgupta_poster.pptx
@@ -10717,7 +10717,7 @@
         </p:nvSpPr>
         <p:spPr>
           <a:xfrm>
-            <a:off x="17343867" y="9550308"/>
+            <a:off x="17360355" y="9325477"/>
             <a:ext cx="7741827" cy="2767242"/>
           </a:xfrm>
           <a:prstGeom prst="rect">
@@ -10742,23 +10742,207 @@
             </a:pPr>
             <a:r>
               <a:rPr lang="en-US" sz="1867" dirty="0"/>
-              <a:t>For this specific dataset, the agent makes positive returns on one stock as shown in </a:t>
+              <a:t>From the results we can see that keyword selection for trends data plays a huge role in the agent's ability to make positive trades. Good keywords are ones with high correlation with stock data in the same time frame. Correlation graphs between stock and trends data suggests that low correlation results in more negative cumulative reward due to the agent taking more random actions. From our experimentation, high correlation between the data sets helps the agent successfully make majority positive trades as shown in </a:t>
             </a:r>
             <a:r>
               <a:rPr lang="en-US" sz="1867" b="1" dirty="0"/>
-              <a:t>Figure 2. </a:t>
-            </a:r>
+              <a:t>Figure 3.</a:t>
+            </a:r>
+          </a:p>
+        </p:txBody>
+      </p:sp>
+      <p:sp>
+        <p:nvSpPr>
+          <p:cNvPr id="80" name="Shape 133"/>
+          <p:cNvSpPr txBox="1"/>
+          <p:nvPr/>
+        </p:nvSpPr>
+        <p:spPr>
+          <a:xfrm>
+            <a:off x="17313762" y="8894803"/>
+            <a:ext cx="7917349" cy="430674"/>
+          </a:xfrm>
+          <a:prstGeom prst="rect">
+            <a:avLst/>
+          </a:prstGeom>
+          <a:noFill/>
+          <a:ln>
+            <a:noFill/>
+          </a:ln>
+        </p:spPr>
+        <p:txBody>
+          <a:bodyPr lIns="53331" tIns="53331" rIns="53331" bIns="53331" anchor="ctr" anchorCtr="0">
+            <a:noAutofit/>
+          </a:bodyPr>
+          <a:lstStyle/>
+          <a:p>
+            <a:pPr>
+              <a:buClr>
+                <a:srgbClr val="000000"/>
+              </a:buClr>
+              <a:buSzPct val="25000"/>
+            </a:pPr>
+            <a:r>
+              <a:rPr lang="en-US" sz="2800" b="1" dirty="0"/>
+              <a:t>Summary</a:t>
+            </a:r>
+          </a:p>
+        </p:txBody>
+      </p:sp>
+      <p:sp>
+        <p:nvSpPr>
+          <p:cNvPr id="81" name="Shape 132"/>
+          <p:cNvSpPr txBox="1"/>
+          <p:nvPr/>
+        </p:nvSpPr>
+        <p:spPr>
+          <a:xfrm>
+            <a:off x="17313762" y="12194815"/>
+            <a:ext cx="7824162" cy="2004904"/>
+          </a:xfrm>
+          <a:prstGeom prst="rect">
+            <a:avLst/>
+          </a:prstGeom>
+          <a:noFill/>
+          <a:ln>
+            <a:noFill/>
+          </a:ln>
+        </p:spPr>
+        <p:txBody>
+          <a:bodyPr lIns="133350" tIns="133350" rIns="133350" bIns="133350" anchor="t" anchorCtr="0">
+            <a:noAutofit/>
+          </a:bodyPr>
+          <a:lstStyle/>
+          <a:p>
+            <a:pPr>
+              <a:buClr>
+                <a:srgbClr val="000000"/>
+              </a:buClr>
+              <a:buSzPct val="25000"/>
+            </a:pPr>
             <a:r>
               <a:rPr lang="en-US" sz="1867" dirty="0"/>
-              <a:t>As shown in </a:t>
-            </a:r>
-            <a:r>
-              <a:rPr lang="en-US" sz="1867" b="1" dirty="0"/>
-              <a:t>Figure 3</a:t>
+              <a:t>This thesis showcases two things. Firstly, that its possible to train a Reinforcement Learning agent to make successful trades in a model free financial market using data in the form of graphs. Secondly, that social media, Google Trends in particular, does have correlation with stock prices that can be exploited to make meaningful predictions as long as they're being guided by domain knowledge. Using highly correlated data can be used to augment the feature space and make meaningful predictions.</a:t>
+            </a:r>
+          </a:p>
+        </p:txBody>
+      </p:sp>
+      <p:sp>
+        <p:nvSpPr>
+          <p:cNvPr id="82" name="Shape 133"/>
+          <p:cNvSpPr txBox="1"/>
+          <p:nvPr/>
+        </p:nvSpPr>
+        <p:spPr>
+          <a:xfrm>
+            <a:off x="17313762" y="11828707"/>
+            <a:ext cx="7917349" cy="430674"/>
+          </a:xfrm>
+          <a:prstGeom prst="rect">
+            <a:avLst/>
+          </a:prstGeom>
+          <a:noFill/>
+          <a:ln>
+            <a:noFill/>
+          </a:ln>
+        </p:spPr>
+        <p:txBody>
+          <a:bodyPr lIns="53331" tIns="53331" rIns="53331" bIns="53331" anchor="ctr" anchorCtr="0">
+            <a:noAutofit/>
+          </a:bodyPr>
+          <a:lstStyle/>
+          <a:p>
+            <a:pPr>
+              <a:buClr>
+                <a:srgbClr val="000000"/>
+              </a:buClr>
+              <a:buSzPct val="25000"/>
+            </a:pPr>
+            <a:r>
+              <a:rPr lang="en-US" sz="2800" b="1" dirty="0"/>
+              <a:t>Conclusion</a:t>
+            </a:r>
+          </a:p>
+        </p:txBody>
+      </p:sp>
+      <p:sp>
+        <p:nvSpPr>
+          <p:cNvPr id="83" name="Shape 132"/>
+          <p:cNvSpPr txBox="1"/>
+          <p:nvPr/>
+        </p:nvSpPr>
+        <p:spPr>
+          <a:xfrm>
+            <a:off x="17282504" y="15206000"/>
+            <a:ext cx="7824162" cy="3387536"/>
+          </a:xfrm>
+          <a:prstGeom prst="rect">
+            <a:avLst/>
+          </a:prstGeom>
+          <a:noFill/>
+          <a:ln>
+            <a:noFill/>
+          </a:ln>
+        </p:spPr>
+        <p:txBody>
+          <a:bodyPr lIns="133350" tIns="133350" rIns="133350" bIns="133350" anchor="t" anchorCtr="0">
+            <a:noAutofit/>
+          </a:bodyPr>
+          <a:lstStyle/>
+          <a:p>
+            <a:pPr>
+              <a:buClr>
+                <a:srgbClr val="000000"/>
+              </a:buClr>
+              <a:buSzPct val="25000"/>
+            </a:pPr>
+            <a:r>
+              <a:rPr lang="en-US" sz="1867" dirty="0" err="1"/>
+              <a:t>Zhuoran</a:t>
             </a:r>
             <a:r>
               <a:rPr lang="en-US" sz="1867" dirty="0"/>
-              <a:t>, the blue line represents the correlation between stock and trend data for the same dataset.</a:t>
+              <a:t> </a:t>
+            </a:r>
+            <a:r>
+              <a:rPr lang="en-US" sz="1867" dirty="0" err="1"/>
+              <a:t>Xiong</a:t>
+            </a:r>
+            <a:r>
+              <a:rPr lang="en-US" sz="1867" dirty="0"/>
+              <a:t>, Xiao-Yang Liu, Shan Zhong, </a:t>
+            </a:r>
+            <a:r>
+              <a:rPr lang="en-US" sz="1867" dirty="0" err="1"/>
+              <a:t>Hongyang</a:t>
+            </a:r>
+            <a:r>
+              <a:rPr lang="en-US" sz="1867" dirty="0"/>
+              <a:t> (Bruce) </a:t>
+            </a:r>
+            <a:r>
+              <a:rPr lang="en-US" sz="1867" dirty="0" err="1"/>
+              <a:t>Yangand</a:t>
+            </a:r>
+            <a:r>
+              <a:rPr lang="en-US" sz="1867" dirty="0"/>
+              <a:t>  Anwar  Walid,  “Practical  Deep  Reinforcement  Learning  </a:t>
+            </a:r>
+            <a:r>
+              <a:rPr lang="en-US" sz="1867" dirty="0" err="1"/>
+              <a:t>Approachfor</a:t>
+            </a:r>
+            <a:r>
+              <a:rPr lang="en-US" sz="1867" dirty="0"/>
+              <a:t> Stock Trading,” </a:t>
+            </a:r>
+            <a:r>
+              <a:rPr lang="en-US" sz="1867" dirty="0" err="1"/>
+              <a:t>CoRR</a:t>
+            </a:r>
+            <a:r>
+              <a:rPr lang="en-US" sz="1867" dirty="0"/>
+              <a:t>, abs/1811.07522, 2018</a:t>
             </a:r>
           </a:p>
           <a:p>
@@ -10778,196 +10962,44 @@
               <a:buSzPct val="25000"/>
             </a:pPr>
             <a:r>
+              <a:rPr lang="en-US" sz="1867" dirty="0" err="1"/>
+              <a:t>Zhipeng</a:t>
+            </a:r>
+            <a:r>
               <a:rPr lang="en-US" sz="1867" dirty="0"/>
-              <a:t>From further experimentation, we have noticed that correlation graphs between stock and trends data suggest that low correlation results in more negative trades than positive. High correlation between the data sets suggest that the agent is able to successfully make majority positive trades.</a:t>
-            </a:r>
-          </a:p>
-        </p:txBody>
-      </p:sp>
-      <p:sp>
-        <p:nvSpPr>
-          <p:cNvPr id="80" name="Shape 133"/>
-          <p:cNvSpPr txBox="1"/>
-          <p:nvPr/>
-        </p:nvSpPr>
-        <p:spPr>
-          <a:xfrm>
-            <a:off x="17297274" y="9119634"/>
-            <a:ext cx="7917349" cy="430674"/>
-          </a:xfrm>
-          <a:prstGeom prst="rect">
-            <a:avLst/>
-          </a:prstGeom>
-          <a:noFill/>
-          <a:ln>
-            <a:noFill/>
-          </a:ln>
-        </p:spPr>
-        <p:txBody>
-          <a:bodyPr lIns="53331" tIns="53331" rIns="53331" bIns="53331" anchor="ctr" anchorCtr="0">
-            <a:noAutofit/>
-          </a:bodyPr>
-          <a:lstStyle/>
-          <a:p>
-            <a:pPr>
-              <a:buClr>
-                <a:srgbClr val="000000"/>
-              </a:buClr>
-              <a:buSzPct val="25000"/>
-            </a:pPr>
-            <a:r>
-              <a:rPr lang="en-US" sz="2800" b="1" dirty="0"/>
-              <a:t>Summary</a:t>
-            </a:r>
-          </a:p>
-        </p:txBody>
-      </p:sp>
-      <p:sp>
-        <p:nvSpPr>
-          <p:cNvPr id="81" name="Shape 132"/>
-          <p:cNvSpPr txBox="1"/>
-          <p:nvPr/>
-        </p:nvSpPr>
-        <p:spPr>
-          <a:xfrm>
-            <a:off x="17270644" y="12764339"/>
-            <a:ext cx="7824162" cy="2004904"/>
-          </a:xfrm>
-          <a:prstGeom prst="rect">
-            <a:avLst/>
-          </a:prstGeom>
-          <a:noFill/>
-          <a:ln>
-            <a:noFill/>
-          </a:ln>
-        </p:spPr>
-        <p:txBody>
-          <a:bodyPr lIns="133350" tIns="133350" rIns="133350" bIns="133350" anchor="t" anchorCtr="0">
-            <a:noAutofit/>
-          </a:bodyPr>
-          <a:lstStyle/>
-          <a:p>
-            <a:pPr>
-              <a:buClr>
-                <a:srgbClr val="000000"/>
-              </a:buClr>
-              <a:buSzPct val="25000"/>
-            </a:pPr>
+              <a:t>  Liang,  Hao  Chen,  </a:t>
+            </a:r>
+            <a:r>
+              <a:rPr lang="en-US" sz="1867" dirty="0" err="1"/>
+              <a:t>Junhao</a:t>
+            </a:r>
             <a:r>
               <a:rPr lang="en-US" sz="1867" dirty="0"/>
-              <a:t>This project showcases two things. Firstly, that its possible to train a RL agent to make successful trades in a model free financial market using image data. Secondly, that social media, Google in particular, does have correlation with stock prices that can be exploited to make meaningful predictions as long as they're being guided by domain knowledge.</a:t>
-            </a:r>
-          </a:p>
-        </p:txBody>
-      </p:sp>
-      <p:sp>
-        <p:nvSpPr>
-          <p:cNvPr id="82" name="Shape 133"/>
-          <p:cNvSpPr txBox="1"/>
-          <p:nvPr/>
-        </p:nvSpPr>
-        <p:spPr>
-          <a:xfrm>
-            <a:off x="17270644" y="12398231"/>
-            <a:ext cx="7917349" cy="430674"/>
-          </a:xfrm>
-          <a:prstGeom prst="rect">
-            <a:avLst/>
-          </a:prstGeom>
-          <a:noFill/>
-          <a:ln>
-            <a:noFill/>
-          </a:ln>
-        </p:spPr>
-        <p:txBody>
-          <a:bodyPr lIns="53331" tIns="53331" rIns="53331" bIns="53331" anchor="ctr" anchorCtr="0">
-            <a:noAutofit/>
-          </a:bodyPr>
-          <a:lstStyle/>
-          <a:p>
-            <a:pPr>
-              <a:buClr>
-                <a:srgbClr val="000000"/>
-              </a:buClr>
-              <a:buSzPct val="25000"/>
-            </a:pPr>
-            <a:r>
-              <a:rPr lang="en-US" sz="2800" b="1" dirty="0"/>
-              <a:t>Conclusion</a:t>
-            </a:r>
-          </a:p>
-        </p:txBody>
-      </p:sp>
-      <p:sp>
-        <p:nvSpPr>
-          <p:cNvPr id="83" name="Shape 132"/>
-          <p:cNvSpPr txBox="1"/>
-          <p:nvPr/>
-        </p:nvSpPr>
-        <p:spPr>
-          <a:xfrm>
-            <a:off x="17282504" y="15206000"/>
-            <a:ext cx="7824162" cy="3387536"/>
-          </a:xfrm>
-          <a:prstGeom prst="rect">
-            <a:avLst/>
-          </a:prstGeom>
-          <a:noFill/>
-          <a:ln>
-            <a:noFill/>
-          </a:ln>
-        </p:spPr>
-        <p:txBody>
-          <a:bodyPr lIns="133350" tIns="133350" rIns="133350" bIns="133350" anchor="t" anchorCtr="0">
-            <a:noAutofit/>
-          </a:bodyPr>
-          <a:lstStyle/>
-          <a:p>
-            <a:pPr>
-              <a:buClr>
-                <a:srgbClr val="000000"/>
-              </a:buClr>
-              <a:buSzPct val="25000"/>
-            </a:pPr>
+              <a:t>  Zhu,  </a:t>
+            </a:r>
             <a:r>
               <a:rPr lang="en-US" sz="1867" dirty="0" err="1"/>
-              <a:t>Zhuoran</a:t>
+              <a:t>Kangkang</a:t>
             </a:r>
             <a:r>
               <a:rPr lang="en-US" sz="1867" dirty="0"/>
-              <a:t> </a:t>
+              <a:t>  Jiang,  </a:t>
             </a:r>
             <a:r>
               <a:rPr lang="en-US" sz="1867" dirty="0" err="1"/>
-              <a:t>Xiong</a:t>
+              <a:t>Yanran</a:t>
             </a:r>
             <a:r>
               <a:rPr lang="en-US" sz="1867" dirty="0"/>
-              <a:t>, Xiao-Yang Liu, Shan Zhong, </a:t>
+              <a:t>  </a:t>
             </a:r>
             <a:r>
               <a:rPr lang="en-US" sz="1867" dirty="0" err="1"/>
-              <a:t>Hongyang</a:t>
+              <a:t>Li,“Adversarial</a:t>
             </a:r>
             <a:r>
               <a:rPr lang="en-US" sz="1867" dirty="0"/>
-              <a:t> (Bruce) </a:t>
-            </a:r>
-            <a:r>
-              <a:rPr lang="en-US" sz="1867" dirty="0" err="1"/>
-              <a:t>Yangand</a:t>
-            </a:r>
-            <a:r>
-              <a:rPr lang="en-US" sz="1867" dirty="0"/>
-              <a:t>  Anwar  Walid,  “Practical  Deep  Reinforcement  Learning  </a:t>
-            </a:r>
-            <a:r>
-              <a:rPr lang="en-US" sz="1867" dirty="0" err="1"/>
-              <a:t>Approachfor</a:t>
-            </a:r>
-            <a:r>
-              <a:rPr lang="en-US" sz="1867" dirty="0"/>
-              <a:t> Stock Trading,” </a:t>
+              <a:t>  Deep  Reinforcement  Learning  in  Portfolio  Management,”</a:t>
             </a:r>
             <a:r>
               <a:rPr lang="en-US" sz="1867" dirty="0" err="1"/>
@@ -10975,7 +11007,7 @@
             </a:r>
             <a:r>
               <a:rPr lang="en-US" sz="1867" dirty="0"/>
-              <a:t>, abs/1811.07522, 2018</a:t>
+              <a:t>, abs/1808.09940v3, 2018</a:t>
             </a:r>
           </a:p>
           <a:p>
@@ -10995,52 +11027,8 @@
               <a:buSzPct val="25000"/>
             </a:pPr>
             <a:r>
-              <a:rPr lang="en-US" sz="1867" dirty="0" err="1"/>
-              <a:t>Zhipeng</a:t>
-            </a:r>
-            <a:r>
               <a:rPr lang="en-US" sz="1867" dirty="0"/>
-              <a:t>  Liang,  Hao  Chen,  </a:t>
-            </a:r>
-            <a:r>
-              <a:rPr lang="en-US" sz="1867" dirty="0" err="1"/>
-              <a:t>Junhao</a:t>
-            </a:r>
-            <a:r>
-              <a:rPr lang="en-US" sz="1867" dirty="0"/>
-              <a:t>  Zhu,  </a:t>
-            </a:r>
-            <a:r>
-              <a:rPr lang="en-US" sz="1867" dirty="0" err="1"/>
-              <a:t>Kangkang</a:t>
-            </a:r>
-            <a:r>
-              <a:rPr lang="en-US" sz="1867" dirty="0"/>
-              <a:t>  Jiang,  </a:t>
-            </a:r>
-            <a:r>
-              <a:rPr lang="en-US" sz="1867" dirty="0" err="1"/>
-              <a:t>Yanran</a:t>
-            </a:r>
-            <a:r>
-              <a:rPr lang="en-US" sz="1867" dirty="0"/>
-              <a:t>  </a:t>
-            </a:r>
-            <a:r>
-              <a:rPr lang="en-US" sz="1867" dirty="0" err="1"/>
-              <a:t>Li,“Adversarial</a:t>
-            </a:r>
-            <a:r>
-              <a:rPr lang="en-US" sz="1867" dirty="0"/>
-              <a:t>  Deep  Reinforcement  Learning  in  Portfolio  Management,”</a:t>
-            </a:r>
-            <a:r>
-              <a:rPr lang="en-US" sz="1867" dirty="0" err="1"/>
-              <a:t>CoRR</a:t>
-            </a:r>
-            <a:r>
-              <a:rPr lang="en-US" sz="1867" dirty="0"/>
-              <a:t>, abs/1808.09940v3, 2018</a:t>
+              <a:t>Reference for CNN implementation in DQN:</a:t>
             </a:r>
           </a:p>
           <a:p>
@@ -11050,27 +11038,6 @@
               </a:buClr>
               <a:buSzPct val="25000"/>
             </a:pPr>
-            <a:endParaRPr lang="en-US" sz="1867" dirty="0"/>
-          </a:p>
-          <a:p>
-            <a:pPr>
-              <a:buClr>
-                <a:srgbClr val="000000"/>
-              </a:buClr>
-              <a:buSzPct val="25000"/>
-            </a:pPr>
-            <a:r>
-              <a:rPr lang="en-US" sz="1867" dirty="0"/>
-              <a:t>Reference for CNN implementation in DQN:</a:t>
-            </a:r>
-          </a:p>
-          <a:p>
-            <a:pPr>
-              <a:buClr>
-                <a:srgbClr val="000000"/>
-              </a:buClr>
-              <a:buSzPct val="25000"/>
-            </a:pPr>
             <a:r>
               <a:rPr lang="en-US" sz="1867" dirty="0"/>
               <a:t>https://towardsdatascience.com/atari-reinforcement-learning-in-depth-part-1-ddqn-ceaa762a546f</a:t>
@@ -11086,7 +11053,7 @@
         </p:nvSpPr>
         <p:spPr>
           <a:xfrm>
-            <a:off x="17303594" y="14734799"/>
+            <a:off x="17392919" y="14810602"/>
             <a:ext cx="7917349" cy="430674"/>
           </a:xfrm>
           <a:prstGeom prst="rect">
@@ -11324,12 +11291,69 @@
           </a:prstGeom>
         </p:spPr>
       </p:pic>
+      <p:sp>
+        <p:nvSpPr>
+          <p:cNvPr id="56" name="Shape 133">
+            <a:extLst>
+              <a:ext uri="{FF2B5EF4-FFF2-40B4-BE49-F238E27FC236}">
+                <a16:creationId xmlns:a16="http://schemas.microsoft.com/office/drawing/2014/main" id="{D2A89EA0-A6C1-47A0-B494-226B4E8175EC}"/>
+              </a:ext>
+            </a:extLst>
+          </p:cNvPr>
+          <p:cNvSpPr txBox="1"/>
+          <p:nvPr/>
+        </p:nvSpPr>
+        <p:spPr>
+          <a:xfrm>
+            <a:off x="17297274" y="8464129"/>
+            <a:ext cx="7917349" cy="430674"/>
+          </a:xfrm>
+          <a:prstGeom prst="rect">
+            <a:avLst/>
+          </a:prstGeom>
+          <a:noFill/>
+          <a:ln>
+            <a:noFill/>
+          </a:ln>
+        </p:spPr>
+        <p:txBody>
+          <a:bodyPr lIns="53331" tIns="53331" rIns="53331" bIns="53331" anchor="ctr" anchorCtr="0">
+            <a:noAutofit/>
+          </a:bodyPr>
+          <a:lstStyle/>
+          <a:p>
+            <a:pPr algn="ctr">
+              <a:buClr>
+                <a:srgbClr val="000000"/>
+              </a:buClr>
+              <a:buSzPct val="25000"/>
+            </a:pPr>
+            <a:r>
+              <a:rPr lang="en-US" sz="1800" b="1" dirty="0"/>
+              <a:t>Figure 3: </a:t>
+            </a:r>
+            <a:r>
+              <a:rPr lang="fr-FR" sz="1800" b="1" dirty="0" err="1"/>
+              <a:t>Correlation</a:t>
+            </a:r>
+            <a:r>
+              <a:rPr lang="fr-FR" sz="1800" b="1" dirty="0"/>
+              <a:t> Coefficient vs Cumulative </a:t>
+            </a:r>
+            <a:r>
+              <a:rPr lang="fr-FR" sz="1800" b="1" dirty="0" err="1"/>
+              <a:t>Reward</a:t>
+            </a:r>
+            <a:endParaRPr lang="en-US" sz="1800" b="1" dirty="0"/>
+          </a:p>
+        </p:txBody>
+      </p:sp>
       <p:pic>
         <p:nvPicPr>
-          <p:cNvPr id="9" name="Picture 8" descr="A close up of a map&#10;&#10;Description automatically generated">
+          <p:cNvPr id="10" name="Picture 9" descr="A close up of a map&#10;&#10;Description automatically generated">
             <a:extLst>
               <a:ext uri="{FF2B5EF4-FFF2-40B4-BE49-F238E27FC236}">
-                <a16:creationId xmlns:a16="http://schemas.microsoft.com/office/drawing/2014/main" id="{73249BFE-B2BD-45AE-B963-0338C3D894CF}"/>
+                <a16:creationId xmlns:a16="http://schemas.microsoft.com/office/drawing/2014/main" id="{4576FDB8-63D7-457D-8734-312B33098C02}"/>
               </a:ext>
             </a:extLst>
           </p:cNvPr>
@@ -11346,66 +11370,14 @@
         </p:blipFill>
         <p:spPr>
           <a:xfrm>
-            <a:off x="18005644" y="3368459"/>
-            <a:ext cx="6367266" cy="4775450"/>
+            <a:off x="17503392" y="3738709"/>
+            <a:ext cx="6994081" cy="4238837"/>
           </a:xfrm>
           <a:prstGeom prst="rect">
             <a:avLst/>
           </a:prstGeom>
         </p:spPr>
       </p:pic>
-      <p:sp>
-        <p:nvSpPr>
-          <p:cNvPr id="56" name="Shape 133">
-            <a:extLst>
-              <a:ext uri="{FF2B5EF4-FFF2-40B4-BE49-F238E27FC236}">
-                <a16:creationId xmlns:a16="http://schemas.microsoft.com/office/drawing/2014/main" id="{D2A89EA0-A6C1-47A0-B494-226B4E8175EC}"/>
-              </a:ext>
-            </a:extLst>
-          </p:cNvPr>
-          <p:cNvSpPr txBox="1"/>
-          <p:nvPr/>
-        </p:nvSpPr>
-        <p:spPr>
-          <a:xfrm>
-            <a:off x="17297274" y="8464129"/>
-            <a:ext cx="7917349" cy="430674"/>
-          </a:xfrm>
-          <a:prstGeom prst="rect">
-            <a:avLst/>
-          </a:prstGeom>
-          <a:noFill/>
-          <a:ln>
-            <a:noFill/>
-          </a:ln>
-        </p:spPr>
-        <p:txBody>
-          <a:bodyPr lIns="53331" tIns="53331" rIns="53331" bIns="53331" anchor="ctr" anchorCtr="0">
-            <a:noAutofit/>
-          </a:bodyPr>
-          <a:lstStyle/>
-          <a:p>
-            <a:pPr algn="ctr">
-              <a:buClr>
-                <a:srgbClr val="000000"/>
-              </a:buClr>
-              <a:buSzPct val="25000"/>
-            </a:pPr>
-            <a:r>
-              <a:rPr lang="en-US" sz="1800" b="1" dirty="0"/>
-              <a:t>Figure 3: Correlation between Netflix and ‘</a:t>
-            </a:r>
-            <a:r>
-              <a:rPr lang="en-US" sz="1800" b="1" dirty="0" err="1"/>
-              <a:t>Stockmarket</a:t>
-            </a:r>
-            <a:r>
-              <a:rPr lang="en-US" sz="1800" b="1" dirty="0"/>
-              <a:t> crash’ dataset</a:t>
-            </a:r>
-          </a:p>
-        </p:txBody>
-      </p:sp>
     </p:spTree>
   </p:cSld>
   <p:clrMapOvr>
